--- a/9.Deep_learning/class_5_Tensorflow_keras_Neural_network_create.pptx
+++ b/9.Deep_learning/class_5_Tensorflow_keras_Neural_network_create.pptx
@@ -5,29 +5,22 @@
     <p:sldMasterId id="2147483648" r:id="rId1"/>
   </p:sldMasterIdLst>
   <p:notesMasterIdLst>
-    <p:notesMasterId r:id="rId23"/>
+    <p:notesMasterId r:id="rId16"/>
   </p:notesMasterIdLst>
   <p:sldIdLst>
     <p:sldId id="368" r:id="rId3"/>
-    <p:sldId id="277" r:id="rId4"/>
-    <p:sldId id="278" r:id="rId5"/>
-    <p:sldId id="261" r:id="rId6"/>
-    <p:sldId id="391" r:id="rId7"/>
-    <p:sldId id="392" r:id="rId8"/>
-    <p:sldId id="393" r:id="rId9"/>
-    <p:sldId id="394" r:id="rId10"/>
-    <p:sldId id="395" r:id="rId11"/>
-    <p:sldId id="396" r:id="rId12"/>
-    <p:sldId id="397" r:id="rId13"/>
-    <p:sldId id="263" r:id="rId14"/>
-    <p:sldId id="264" r:id="rId15"/>
-    <p:sldId id="265" r:id="rId16"/>
-    <p:sldId id="266" r:id="rId17"/>
-    <p:sldId id="267" r:id="rId18"/>
-    <p:sldId id="268" r:id="rId19"/>
-    <p:sldId id="270" r:id="rId20"/>
-    <p:sldId id="271" r:id="rId21"/>
-    <p:sldId id="272" r:id="rId22"/>
+    <p:sldId id="261" r:id="rId4"/>
+    <p:sldId id="391" r:id="rId5"/>
+    <p:sldId id="392" r:id="rId6"/>
+    <p:sldId id="393" r:id="rId7"/>
+    <p:sldId id="394" r:id="rId8"/>
+    <p:sldId id="395" r:id="rId9"/>
+    <p:sldId id="396" r:id="rId10"/>
+    <p:sldId id="397" r:id="rId11"/>
+    <p:sldId id="263" r:id="rId12"/>
+    <p:sldId id="264" r:id="rId13"/>
+    <p:sldId id="265" r:id="rId14"/>
+    <p:sldId id="266" r:id="rId15"/>
   </p:sldIdLst>
   <p:sldSz cx="12192000" cy="6858000"/>
   <p:notesSz cx="6858000" cy="9144000"/>
@@ -3711,72 +3704,292 @@
       <p:grpSpPr/>
       <p:sp>
         <p:nvSpPr>
-          <p:cNvPr id="5" name="Text Box 4"/>
+          <p:cNvPr id="2" name="Text Box 1"/>
           <p:cNvSpPr txBox="1"/>
           <p:nvPr/>
         </p:nvSpPr>
         <p:spPr>
           <a:xfrm>
-            <a:off x="398780" y="189865"/>
-            <a:ext cx="5466715" cy="4890135"/>
+            <a:off x="375920" y="165735"/>
+            <a:ext cx="4064000" cy="368300"/>
+          </a:xfrm>
+          <a:prstGeom prst="rect">
+            <a:avLst/>
+          </a:prstGeom>
+          <a:noFill/>
+        </p:spPr>
+        <p:txBody>
+          <a:bodyPr wrap="square" rtlCol="0">
+            <a:spAutoFit/>
+          </a:bodyPr>
+          <a:p>
+            <a:r>
+              <a:rPr lang="en-IN" altLang="en-US"/>
+              <a:t>TensorFlow  code</a:t>
+            </a:r>
+            <a:endParaRPr lang="en-IN" altLang="en-US"/>
+          </a:p>
+        </p:txBody>
+      </p:sp>
+      <p:sp>
+        <p:nvSpPr>
+          <p:cNvPr id="3" name="Text Box 2"/>
+          <p:cNvSpPr txBox="1"/>
+          <p:nvPr/>
+        </p:nvSpPr>
+        <p:spPr>
+          <a:xfrm>
+            <a:off x="492760" y="604837"/>
+            <a:ext cx="5080000" cy="583565"/>
           </a:xfrm>
           <a:prstGeom prst="rect">
             <a:avLst/>
           </a:prstGeom>
         </p:spPr>
         <p:txBody>
+          <a:bodyPr>
+            <a:spAutoFit/>
+          </a:bodyPr>
+          <a:p>
+            <a:pPr marL="0" indent="0" algn="l" latinLnBrk="0">
+              <a:spcBef>
+                <a:spcPct val="0"/>
+              </a:spcBef>
+              <a:spcAft>
+                <a:spcPct val="0"/>
+              </a:spcAft>
+            </a:pPr>
+            <a:r>
+              <a:rPr sz="1600" b="0" i="0"/>
+              <a:t>importtensorflowastfprint("TensorFlow version:",tf.__version__)</a:t>
+            </a:r>
+            <a:endParaRPr sz="1600" b="0" i="0"/>
+          </a:p>
+        </p:txBody>
+      </p:sp>
+      <p:sp>
+        <p:nvSpPr>
+          <p:cNvPr id="4" name="Text Box 3"/>
+          <p:cNvSpPr txBox="1"/>
+          <p:nvPr/>
+        </p:nvSpPr>
+        <p:spPr>
+          <a:xfrm>
+            <a:off x="4251325" y="258445"/>
+            <a:ext cx="7588250" cy="1969135"/>
+          </a:xfrm>
+          <a:prstGeom prst="rect">
+            <a:avLst/>
+          </a:prstGeom>
+        </p:spPr>
+        <p:txBody>
           <a:bodyPr wrap="square">
             <a:spAutoFit/>
           </a:bodyPr>
           <a:p>
-            <a:pPr>
+            <a:pPr marL="0" indent="0">
               <a:spcAft>
                 <a:spcPct val="60000"/>
               </a:spcAft>
             </a:pPr>
             <a:r>
-              <a:rPr sz="2300" b="1"/>
-              <a:t>🔰 19 Deploying Keras Models with Flask</a:t>
-            </a:r>
-            <a:endParaRPr sz="2300" b="1"/>
-          </a:p>
-          <a:p>
-            <a:r>
-              <a:rPr sz="1600"/>
-              <a:t>python</a:t>
-            </a:r>
-            <a:endParaRPr sz="1600"/>
-          </a:p>
-          <a:p>
-            <a:r>
-              <a:rPr sz="1600"/>
-              <a:t>CopyEdit</a:t>
-            </a:r>
-            <a:endParaRPr sz="1600"/>
-          </a:p>
-          <a:p>
-            <a:r>
-              <a:rPr sz="1600"/>
-              <a:t>from flask import Flask, request, jsonify
-import tensorflow as tf
-app = Flask(__name__)
-model = tf.keras.models.load_model("best_model.h5")
-@app.route("/predict", methods=["POST"])
-defpredict():
-    data = request.json["input"]
-    prediction = model.predict([data])
-    return jsonify({"prediction": prediction.tolist()})
-app.run()
-</a:t>
-            </a:r>
-            <a:endParaRPr sz="1600"/>
-          </a:p>
-          <a:p>
-            <a:r>
-              <a:rPr sz="1600"/>
-              <a:t>✅ Use Case: Deploy model as an API using Flask.</a:t>
-            </a:r>
-            <a:endParaRPr sz="1600"/>
+              <a:rPr sz="2300" b="0" i="0">
+                <a:solidFill>
+                  <a:srgbClr val="383838"/>
+                </a:solidFill>
+                <a:latin typeface="Inter"/>
+                <a:ea typeface="Inter"/>
+              </a:rPr>
+              <a:t>What is TensorFlow?</a:t>
+            </a:r>
+            <a:endParaRPr sz="2300" b="0" i="0">
+              <a:solidFill>
+                <a:srgbClr val="383838"/>
+              </a:solidFill>
+              <a:latin typeface="Inter"/>
+              <a:ea typeface="Inter"/>
+            </a:endParaRPr>
+          </a:p>
+          <a:p>
+            <a:pPr marL="0" indent="0">
+              <a:lnSpc>
+                <a:spcPts val="1800"/>
+              </a:lnSpc>
+            </a:pPr>
+            <a:r>
+              <a:rPr sz="1600" b="0" i="0">
+                <a:solidFill>
+                  <a:srgbClr val="383838"/>
+                </a:solidFill>
+                <a:latin typeface="Inter"/>
+                <a:ea typeface="Inter"/>
+              </a:rPr>
+              <a:t>TensorFlow is an end-to-end open-source machine learning </a:t>
+            </a:r>
+            <a:r>
+              <a:rPr sz="1600" b="0" i="0" u="sng">
+                <a:solidFill>
+                  <a:srgbClr val="383838"/>
+                </a:solidFill>
+                <a:latin typeface="Inter"/>
+                <a:ea typeface="Inter"/>
+                <a:hlinkClick r:id="rId1"/>
+              </a:rPr>
+              <a:t>platform</a:t>
+            </a:r>
+            <a:r>
+              <a:rPr sz="1600" b="0" i="0">
+                <a:solidFill>
+                  <a:srgbClr val="383838"/>
+                </a:solidFill>
+                <a:latin typeface="Inter"/>
+                <a:ea typeface="Inter"/>
+              </a:rPr>
+              <a:t> with a focus on deep neural networks. Deep </a:t>
+            </a:r>
+            <a:r>
+              <a:rPr sz="1600" b="0" i="0" u="sng">
+                <a:solidFill>
+                  <a:srgbClr val="383838"/>
+                </a:solidFill>
+                <a:latin typeface="Inter"/>
+                <a:ea typeface="Inter"/>
+                <a:hlinkClick r:id="rId2"/>
+              </a:rPr>
+              <a:t>learning</a:t>
+            </a:r>
+            <a:r>
+              <a:rPr sz="1600" b="0" i="0" u="sng">
+                <a:solidFill>
+                  <a:srgbClr val="383838"/>
+                </a:solidFill>
+                <a:latin typeface="Inter"/>
+                <a:ea typeface="Inter"/>
+                <a:hlinkClick r:id="rId2"/>
+              </a:rPr>
+              <a:t> </a:t>
+            </a:r>
+            <a:r>
+              <a:rPr sz="1600" b="0" i="0">
+                <a:solidFill>
+                  <a:srgbClr val="383838"/>
+                </a:solidFill>
+                <a:latin typeface="Inter"/>
+                <a:ea typeface="Inter"/>
+              </a:rPr>
+              <a:t>is a subtype of machine learning that analyses massive amounts of unstructured data. Since it works with structured data, deep learning is different from normal machine learning.</a:t>
+            </a:r>
+            <a:endParaRPr sz="1600" b="0" i="0">
+              <a:solidFill>
+                <a:srgbClr val="383838"/>
+              </a:solidFill>
+              <a:latin typeface="Inter"/>
+              <a:ea typeface="Inter"/>
+            </a:endParaRPr>
+          </a:p>
+        </p:txBody>
+      </p:sp>
+      <p:sp>
+        <p:nvSpPr>
+          <p:cNvPr id="6" name="Text Box 5"/>
+          <p:cNvSpPr txBox="1"/>
+          <p:nvPr/>
+        </p:nvSpPr>
+        <p:spPr>
+          <a:xfrm>
+            <a:off x="375920" y="2832100"/>
+            <a:ext cx="6096000" cy="3692525"/>
+          </a:xfrm>
+          <a:prstGeom prst="rect">
+            <a:avLst/>
+          </a:prstGeom>
+          <a:noFill/>
+        </p:spPr>
+        <p:txBody>
+          <a:bodyPr wrap="square" rtlCol="0" anchor="t">
+            <a:spAutoFit/>
+          </a:bodyPr>
+          <a:p>
+            <a:r>
+              <a:rPr b="1">
+                <a:solidFill>
+                  <a:srgbClr val="383838"/>
+                </a:solidFill>
+                <a:latin typeface="Inter"/>
+                <a:ea typeface="Inter"/>
+                <a:sym typeface="+mn-ea"/>
+              </a:rPr>
+              <a:t>How to install TensorFlow ?</a:t>
+            </a:r>
+            <a:endParaRPr lang="en-US" altLang="en-US"/>
+          </a:p>
+          <a:p>
+            <a:r>
+              <a:rPr lang="en-US" altLang="en-US"/>
+              <a:t>pip install tensorflow</a:t>
+            </a:r>
+            <a:endParaRPr lang="en-US" altLang="en-US"/>
+          </a:p>
+          <a:p>
+            <a:endParaRPr lang="en-US" altLang="en-US"/>
+          </a:p>
+          <a:p>
+            <a:r>
+              <a:rPr lang="en-US" altLang="en-US" b="1"/>
+              <a:t>If you have a good graphics card in your computer</a:t>
+            </a:r>
+            <a:r>
+              <a:rPr lang="en-US" altLang="en-US"/>
+              <a:t>,</a:t>
+            </a:r>
+            <a:endParaRPr lang="en-US" altLang="en-US"/>
+          </a:p>
+          <a:p>
+            <a:r>
+              <a:rPr lang="en-US" altLang="en-US"/>
+              <a:t>pip install tensorflow-gpu</a:t>
+            </a:r>
+            <a:endParaRPr lang="en-US" altLang="en-US"/>
+          </a:p>
+          <a:p>
+            <a:endParaRPr lang="en-US" altLang="en-US"/>
+          </a:p>
+          <a:p>
+            <a:r>
+              <a:rPr lang="en-US" altLang="en-US" b="1"/>
+              <a:t>Check Installation</a:t>
+            </a:r>
+            <a:endParaRPr lang="en-US" altLang="en-US" b="1"/>
+          </a:p>
+          <a:p>
+            <a:r>
+              <a:rPr lang="en-US" altLang="en-US"/>
+              <a:t>import tensorflow as tf</a:t>
+            </a:r>
+            <a:endParaRPr lang="en-US" altLang="en-US"/>
+          </a:p>
+          <a:p>
+            <a:r>
+              <a:rPr lang="en-US" altLang="en-US"/>
+              <a:t>print(tf.__version__)</a:t>
+            </a:r>
+            <a:endParaRPr lang="en-US" altLang="en-US"/>
+          </a:p>
+          <a:p>
+            <a:endParaRPr lang="en-US" altLang="en-US"/>
+          </a:p>
+          <a:p>
+            <a:r>
+              <a:rPr lang="en-US" altLang="en-US" b="1"/>
+              <a:t>Some TensorFlow Fundamentals</a:t>
+            </a:r>
+            <a:endParaRPr lang="en-US" altLang="en-US" b="1"/>
+          </a:p>
+          <a:p>
+            <a:endParaRPr lang="en-US" altLang="en-US"/>
+          </a:p>
+          <a:p>
+            <a:endParaRPr lang="en-US"/>
           </a:p>
         </p:txBody>
       </p:sp>
@@ -3806,386 +4019,6 @@
         </p:nvSpPr>
         <p:spPr>
           <a:xfrm>
-            <a:off x="1858645" y="709930"/>
-            <a:ext cx="5415915" cy="835660"/>
-          </a:xfrm>
-          <a:prstGeom prst="rect">
-            <a:avLst/>
-          </a:prstGeom>
-          <a:noFill/>
-        </p:spPr>
-        <p:txBody>
-          <a:bodyPr wrap="square" rtlCol="0" anchor="t">
-            <a:noAutofit/>
-          </a:bodyPr>
-          <a:p>
-            <a:r>
-              <a:rPr lang="en-IN" altLang="en-US" sz="6000" b="1">
-                <a:solidFill>
-                  <a:srgbClr val="FF0000"/>
-                </a:solidFill>
-                <a:effectLst>
-                  <a:outerShdw blurRad="38100" dist="38100" dir="2700000" algn="tl">
-                    <a:srgbClr val="000000">
-                      <a:alpha val="43137"/>
-                    </a:srgbClr>
-                  </a:outerShdw>
-                </a:effectLst>
-                <a:sym typeface="+mn-ea"/>
-              </a:rPr>
-              <a:t>TensorFlow </a:t>
-            </a:r>
-            <a:endParaRPr lang="en-IN" altLang="en-US" sz="6000" b="1">
-              <a:solidFill>
-                <a:srgbClr val="FF0000"/>
-              </a:solidFill>
-              <a:effectLst>
-                <a:outerShdw blurRad="38100" dist="38100" dir="2700000" algn="tl">
-                  <a:srgbClr val="000000">
-                    <a:alpha val="43137"/>
-                  </a:srgbClr>
-                </a:outerShdw>
-              </a:effectLst>
-              <a:sym typeface="+mn-ea"/>
-            </a:endParaRPr>
-          </a:p>
-        </p:txBody>
-      </p:sp>
-    </p:spTree>
-  </p:cSld>
-  <p:clrMapOvr>
-    <a:masterClrMapping/>
-  </p:clrMapOvr>
-</p:sld>
-</file>
-
-<file path=ppt/slides/slide12.xml><?xml version="1.0" encoding="utf-8"?>
-<p:sld xmlns:a="http://schemas.openxmlformats.org/drawingml/2006/main" xmlns:r="http://schemas.openxmlformats.org/officeDocument/2006/relationships" xmlns:p="http://schemas.openxmlformats.org/presentationml/2006/main">
-  <p:cSld>
-    <p:spTree>
-      <p:nvGrpSpPr>
-        <p:cNvPr id="1" name=""/>
-        <p:cNvGrpSpPr/>
-        <p:nvPr/>
-      </p:nvGrpSpPr>
-      <p:grpSpPr/>
-      <p:sp>
-        <p:nvSpPr>
-          <p:cNvPr id="2" name="Text Box 1"/>
-          <p:cNvSpPr txBox="1"/>
-          <p:nvPr/>
-        </p:nvSpPr>
-        <p:spPr>
-          <a:xfrm>
-            <a:off x="375920" y="165735"/>
-            <a:ext cx="4064000" cy="368300"/>
-          </a:xfrm>
-          <a:prstGeom prst="rect">
-            <a:avLst/>
-          </a:prstGeom>
-          <a:noFill/>
-        </p:spPr>
-        <p:txBody>
-          <a:bodyPr wrap="square" rtlCol="0">
-            <a:spAutoFit/>
-          </a:bodyPr>
-          <a:p>
-            <a:r>
-              <a:rPr lang="en-IN" altLang="en-US"/>
-              <a:t>TensorFlow  code</a:t>
-            </a:r>
-            <a:endParaRPr lang="en-IN" altLang="en-US"/>
-          </a:p>
-        </p:txBody>
-      </p:sp>
-      <p:sp>
-        <p:nvSpPr>
-          <p:cNvPr id="3" name="Text Box 2"/>
-          <p:cNvSpPr txBox="1"/>
-          <p:nvPr/>
-        </p:nvSpPr>
-        <p:spPr>
-          <a:xfrm>
-            <a:off x="492760" y="604837"/>
-            <a:ext cx="5080000" cy="583565"/>
-          </a:xfrm>
-          <a:prstGeom prst="rect">
-            <a:avLst/>
-          </a:prstGeom>
-        </p:spPr>
-        <p:txBody>
-          <a:bodyPr>
-            <a:spAutoFit/>
-          </a:bodyPr>
-          <a:p>
-            <a:pPr marL="0" indent="0" algn="l" latinLnBrk="0">
-              <a:spcBef>
-                <a:spcPct val="0"/>
-              </a:spcBef>
-              <a:spcAft>
-                <a:spcPct val="0"/>
-              </a:spcAft>
-            </a:pPr>
-            <a:r>
-              <a:rPr sz="1600" b="0" i="0"/>
-              <a:t>importtensorflowastfprint("TensorFlow version:",tf.__version__)</a:t>
-            </a:r>
-            <a:endParaRPr sz="1600" b="0" i="0"/>
-          </a:p>
-        </p:txBody>
-      </p:sp>
-      <p:sp>
-        <p:nvSpPr>
-          <p:cNvPr id="4" name="Text Box 3"/>
-          <p:cNvSpPr txBox="1"/>
-          <p:nvPr/>
-        </p:nvSpPr>
-        <p:spPr>
-          <a:xfrm>
-            <a:off x="4251325" y="258445"/>
-            <a:ext cx="7588250" cy="1969135"/>
-          </a:xfrm>
-          <a:prstGeom prst="rect">
-            <a:avLst/>
-          </a:prstGeom>
-        </p:spPr>
-        <p:txBody>
-          <a:bodyPr wrap="square">
-            <a:spAutoFit/>
-          </a:bodyPr>
-          <a:p>
-            <a:pPr marL="0" indent="0">
-              <a:spcAft>
-                <a:spcPct val="60000"/>
-              </a:spcAft>
-            </a:pPr>
-            <a:r>
-              <a:rPr sz="2300" b="0" i="0">
-                <a:solidFill>
-                  <a:srgbClr val="383838"/>
-                </a:solidFill>
-                <a:latin typeface="Inter"/>
-                <a:ea typeface="Inter"/>
-              </a:rPr>
-              <a:t>What is TensorFlow?</a:t>
-            </a:r>
-            <a:endParaRPr sz="2300" b="0" i="0">
-              <a:solidFill>
-                <a:srgbClr val="383838"/>
-              </a:solidFill>
-              <a:latin typeface="Inter"/>
-              <a:ea typeface="Inter"/>
-            </a:endParaRPr>
-          </a:p>
-          <a:p>
-            <a:pPr marL="0" indent="0">
-              <a:lnSpc>
-                <a:spcPts val="1800"/>
-              </a:lnSpc>
-            </a:pPr>
-            <a:r>
-              <a:rPr sz="1600" b="0" i="0">
-                <a:solidFill>
-                  <a:srgbClr val="383838"/>
-                </a:solidFill>
-                <a:latin typeface="Inter"/>
-                <a:ea typeface="Inter"/>
-              </a:rPr>
-              <a:t>TensorFlow is an end-to-end open-source machine learning </a:t>
-            </a:r>
-            <a:r>
-              <a:rPr sz="1600" b="0" i="0" u="sng">
-                <a:solidFill>
-                  <a:srgbClr val="383838"/>
-                </a:solidFill>
-                <a:latin typeface="Inter"/>
-                <a:ea typeface="Inter"/>
-                <a:hlinkClick r:id="rId1"/>
-              </a:rPr>
-              <a:t>platform</a:t>
-            </a:r>
-            <a:r>
-              <a:rPr sz="1600" b="0" i="0">
-                <a:solidFill>
-                  <a:srgbClr val="383838"/>
-                </a:solidFill>
-                <a:latin typeface="Inter"/>
-                <a:ea typeface="Inter"/>
-              </a:rPr>
-              <a:t> with a focus on deep neural networks. Deep </a:t>
-            </a:r>
-            <a:r>
-              <a:rPr sz="1600" b="0" i="0" u="sng">
-                <a:solidFill>
-                  <a:srgbClr val="383838"/>
-                </a:solidFill>
-                <a:latin typeface="Inter"/>
-                <a:ea typeface="Inter"/>
-                <a:hlinkClick r:id="rId2"/>
-              </a:rPr>
-              <a:t>learning</a:t>
-            </a:r>
-            <a:r>
-              <a:rPr sz="1600" b="0" i="0" u="sng">
-                <a:solidFill>
-                  <a:srgbClr val="383838"/>
-                </a:solidFill>
-                <a:latin typeface="Inter"/>
-                <a:ea typeface="Inter"/>
-                <a:hlinkClick r:id="rId2"/>
-              </a:rPr>
-              <a:t> </a:t>
-            </a:r>
-            <a:r>
-              <a:rPr sz="1600" b="0" i="0">
-                <a:solidFill>
-                  <a:srgbClr val="383838"/>
-                </a:solidFill>
-                <a:latin typeface="Inter"/>
-                <a:ea typeface="Inter"/>
-              </a:rPr>
-              <a:t>is a subtype of machine learning that analyses massive amounts of unstructured data. Since it works with structured data, deep learning is different from normal machine learning.</a:t>
-            </a:r>
-            <a:endParaRPr sz="1600" b="0" i="0">
-              <a:solidFill>
-                <a:srgbClr val="383838"/>
-              </a:solidFill>
-              <a:latin typeface="Inter"/>
-              <a:ea typeface="Inter"/>
-            </a:endParaRPr>
-          </a:p>
-        </p:txBody>
-      </p:sp>
-      <p:sp>
-        <p:nvSpPr>
-          <p:cNvPr id="6" name="Text Box 5"/>
-          <p:cNvSpPr txBox="1"/>
-          <p:nvPr/>
-        </p:nvSpPr>
-        <p:spPr>
-          <a:xfrm>
-            <a:off x="375920" y="2832100"/>
-            <a:ext cx="6096000" cy="3692525"/>
-          </a:xfrm>
-          <a:prstGeom prst="rect">
-            <a:avLst/>
-          </a:prstGeom>
-          <a:noFill/>
-        </p:spPr>
-        <p:txBody>
-          <a:bodyPr wrap="square" rtlCol="0" anchor="t">
-            <a:spAutoFit/>
-          </a:bodyPr>
-          <a:p>
-            <a:r>
-              <a:rPr b="1">
-                <a:solidFill>
-                  <a:srgbClr val="383838"/>
-                </a:solidFill>
-                <a:latin typeface="Inter"/>
-                <a:ea typeface="Inter"/>
-                <a:sym typeface="+mn-ea"/>
-              </a:rPr>
-              <a:t>How to install TensorFlow ?</a:t>
-            </a:r>
-            <a:endParaRPr lang="en-US" altLang="en-US"/>
-          </a:p>
-          <a:p>
-            <a:r>
-              <a:rPr lang="en-US" altLang="en-US"/>
-              <a:t>pip install tensorflow</a:t>
-            </a:r>
-            <a:endParaRPr lang="en-US" altLang="en-US"/>
-          </a:p>
-          <a:p>
-            <a:endParaRPr lang="en-US" altLang="en-US"/>
-          </a:p>
-          <a:p>
-            <a:r>
-              <a:rPr lang="en-US" altLang="en-US" b="1"/>
-              <a:t>If you have a good graphics card in your computer</a:t>
-            </a:r>
-            <a:r>
-              <a:rPr lang="en-US" altLang="en-US"/>
-              <a:t>,</a:t>
-            </a:r>
-            <a:endParaRPr lang="en-US" altLang="en-US"/>
-          </a:p>
-          <a:p>
-            <a:r>
-              <a:rPr lang="en-US" altLang="en-US"/>
-              <a:t>pip install tensorflow-gpu</a:t>
-            </a:r>
-            <a:endParaRPr lang="en-US" altLang="en-US"/>
-          </a:p>
-          <a:p>
-            <a:endParaRPr lang="en-US" altLang="en-US"/>
-          </a:p>
-          <a:p>
-            <a:r>
-              <a:rPr lang="en-US" altLang="en-US" b="1"/>
-              <a:t>Check Installation</a:t>
-            </a:r>
-            <a:endParaRPr lang="en-US" altLang="en-US" b="1"/>
-          </a:p>
-          <a:p>
-            <a:r>
-              <a:rPr lang="en-US" altLang="en-US"/>
-              <a:t>import tensorflow as tf</a:t>
-            </a:r>
-            <a:endParaRPr lang="en-US" altLang="en-US"/>
-          </a:p>
-          <a:p>
-            <a:r>
-              <a:rPr lang="en-US" altLang="en-US"/>
-              <a:t>print(tf.__version__)</a:t>
-            </a:r>
-            <a:endParaRPr lang="en-US" altLang="en-US"/>
-          </a:p>
-          <a:p>
-            <a:endParaRPr lang="en-US" altLang="en-US"/>
-          </a:p>
-          <a:p>
-            <a:r>
-              <a:rPr lang="en-US" altLang="en-US" b="1"/>
-              <a:t>Some TensorFlow Fundamentals</a:t>
-            </a:r>
-            <a:endParaRPr lang="en-US" altLang="en-US" b="1"/>
-          </a:p>
-          <a:p>
-            <a:endParaRPr lang="en-US" altLang="en-US"/>
-          </a:p>
-          <a:p>
-            <a:endParaRPr lang="en-US"/>
-          </a:p>
-        </p:txBody>
-      </p:sp>
-    </p:spTree>
-  </p:cSld>
-  <p:clrMapOvr>
-    <a:masterClrMapping/>
-  </p:clrMapOvr>
-</p:sld>
-</file>
-
-<file path=ppt/slides/slide13.xml><?xml version="1.0" encoding="utf-8"?>
-<p:sld xmlns:a="http://schemas.openxmlformats.org/drawingml/2006/main" xmlns:r="http://schemas.openxmlformats.org/officeDocument/2006/relationships" xmlns:p="http://schemas.openxmlformats.org/presentationml/2006/main">
-  <p:cSld>
-    <p:spTree>
-      <p:nvGrpSpPr>
-        <p:cNvPr id="1" name=""/>
-        <p:cNvGrpSpPr/>
-        <p:nvPr/>
-      </p:nvGrpSpPr>
-      <p:grpSpPr/>
-      <p:sp>
-        <p:nvSpPr>
-          <p:cNvPr id="2" name="Text Box 1"/>
-          <p:cNvSpPr txBox="1"/>
-          <p:nvPr/>
-        </p:nvSpPr>
-        <p:spPr>
-          <a:xfrm>
             <a:off x="353695" y="422275"/>
             <a:ext cx="10663555" cy="1087120"/>
           </a:xfrm>
@@ -4572,7 +4405,7 @@
 </p:sld>
 </file>
 
-<file path=ppt/slides/slide14.xml><?xml version="1.0" encoding="utf-8"?>
+<file path=ppt/slides/slide12.xml><?xml version="1.0" encoding="utf-8"?>
 <p:sld xmlns:a="http://schemas.openxmlformats.org/drawingml/2006/main" xmlns:r="http://schemas.openxmlformats.org/officeDocument/2006/relationships" xmlns:p="http://schemas.openxmlformats.org/presentationml/2006/main">
   <p:cSld>
     <p:spTree>
@@ -4810,7 +4643,7 @@
 </p:sld>
 </file>
 
-<file path=ppt/slides/slide15.xml><?xml version="1.0" encoding="utf-8"?>
+<file path=ppt/slides/slide13.xml><?xml version="1.0" encoding="utf-8"?>
 <p:sld xmlns:a="http://schemas.openxmlformats.org/drawingml/2006/main" xmlns:r="http://schemas.openxmlformats.org/officeDocument/2006/relationships" xmlns:p="http://schemas.openxmlformats.org/presentationml/2006/main">
   <p:cSld>
     <p:spTree>
@@ -4931,78 +4764,6 @@
 </p:sld>
 </file>
 
-<file path=ppt/slides/slide16.xml><?xml version="1.0" encoding="utf-8"?>
-<p:sld xmlns:a="http://schemas.openxmlformats.org/drawingml/2006/main" xmlns:r="http://schemas.openxmlformats.org/officeDocument/2006/relationships" xmlns:p="http://schemas.openxmlformats.org/presentationml/2006/main">
-  <p:cSld>
-    <p:spTree>
-      <p:nvGrpSpPr>
-        <p:cNvPr id="1" name=""/>
-        <p:cNvGrpSpPr/>
-        <p:nvPr/>
-      </p:nvGrpSpPr>
-      <p:grpSpPr/>
-    </p:spTree>
-  </p:cSld>
-  <p:clrMapOvr>
-    <a:masterClrMapping/>
-  </p:clrMapOvr>
-</p:sld>
-</file>
-
-<file path=ppt/slides/slide17.xml><?xml version="1.0" encoding="utf-8"?>
-<p:sld xmlns:a="http://schemas.openxmlformats.org/drawingml/2006/main" xmlns:r="http://schemas.openxmlformats.org/officeDocument/2006/relationships" xmlns:p="http://schemas.openxmlformats.org/presentationml/2006/main">
-  <p:cSld>
-    <p:spTree>
-      <p:nvGrpSpPr>
-        <p:cNvPr id="1" name=""/>
-        <p:cNvGrpSpPr/>
-        <p:nvPr/>
-      </p:nvGrpSpPr>
-      <p:grpSpPr/>
-    </p:spTree>
-  </p:cSld>
-  <p:clrMapOvr>
-    <a:masterClrMapping/>
-  </p:clrMapOvr>
-</p:sld>
-</file>
-
-<file path=ppt/slides/slide18.xml><?xml version="1.0" encoding="utf-8"?>
-<p:sld xmlns:a="http://schemas.openxmlformats.org/drawingml/2006/main" xmlns:r="http://schemas.openxmlformats.org/officeDocument/2006/relationships" xmlns:p="http://schemas.openxmlformats.org/presentationml/2006/main">
-  <p:cSld>
-    <p:spTree>
-      <p:nvGrpSpPr>
-        <p:cNvPr id="1" name=""/>
-        <p:cNvGrpSpPr/>
-        <p:nvPr/>
-      </p:nvGrpSpPr>
-      <p:grpSpPr/>
-    </p:spTree>
-  </p:cSld>
-  <p:clrMapOvr>
-    <a:masterClrMapping/>
-  </p:clrMapOvr>
-</p:sld>
-</file>
-
-<file path=ppt/slides/slide19.xml><?xml version="1.0" encoding="utf-8"?>
-<p:sld xmlns:a="http://schemas.openxmlformats.org/drawingml/2006/main" xmlns:r="http://schemas.openxmlformats.org/officeDocument/2006/relationships" xmlns:p="http://schemas.openxmlformats.org/presentationml/2006/main">
-  <p:cSld>
-    <p:spTree>
-      <p:nvGrpSpPr>
-        <p:cNvPr id="1" name=""/>
-        <p:cNvGrpSpPr/>
-        <p:nvPr/>
-      </p:nvGrpSpPr>
-      <p:grpSpPr/>
-    </p:spTree>
-  </p:cSld>
-  <p:clrMapOvr>
-    <a:masterClrMapping/>
-  </p:clrMapOvr>
-</p:sld>
-</file>
-
 <file path=ppt/slides/slide2.xml><?xml version="1.0" encoding="utf-8"?>
 <p:sld xmlns:a="http://schemas.openxmlformats.org/drawingml/2006/main" xmlns:r="http://schemas.openxmlformats.org/officeDocument/2006/relationships" xmlns:p="http://schemas.openxmlformats.org/presentationml/2006/main">
   <p:cSld>
@@ -5013,37 +4774,152 @@
         <p:nvPr/>
       </p:nvGrpSpPr>
       <p:grpSpPr/>
-      <p:pic>
-        <p:nvPicPr>
-          <p:cNvPr id="4" name="Picture 3"/>
-          <p:cNvPicPr/>
+      <p:sp>
+        <p:nvSpPr>
+          <p:cNvPr id="2" name="Text Box 1"/>
+          <p:cNvSpPr txBox="1"/>
           <p:nvPr/>
-        </p:nvPicPr>
-        <p:blipFill>
-          <a:blip r:embed="rId1"/>
-          <a:stretch>
-            <a:fillRect/>
-          </a:stretch>
-        </p:blipFill>
+        </p:nvSpPr>
         <p:spPr>
           <a:xfrm>
-            <a:off x="238760" y="0"/>
-            <a:ext cx="5855970" cy="4417060"/>
+            <a:off x="196850" y="270510"/>
+            <a:ext cx="7446645" cy="3753485"/>
           </a:xfrm>
           <a:prstGeom prst="rect">
             <a:avLst/>
           </a:prstGeom>
         </p:spPr>
-      </p:pic>
-      <p:sp>
-        <p:nvSpPr>
-          <p:cNvPr id="5" name="Text Box 4"/>
+        <p:txBody>
+          <a:bodyPr wrap="square">
+            <a:spAutoFit/>
+          </a:bodyPr>
+          <a:p>
+            <a:r>
+              <a:rPr sz="2800" b="1">
+                <a:solidFill>
+                  <a:srgbClr val="FF0000"/>
+                </a:solidFill>
+                <a:effectLst>
+                  <a:outerShdw blurRad="38100" dist="38100" dir="2700000" algn="tl">
+                    <a:srgbClr val="000000">
+                      <a:alpha val="43137"/>
+                    </a:srgbClr>
+                  </a:outerShdw>
+                </a:effectLst>
+              </a:rPr>
+              <a:t>Introduction to TensorFlow and Keras</a:t>
+            </a:r>
+            <a:endParaRPr sz="2800" b="1">
+              <a:solidFill>
+                <a:srgbClr val="FF0000"/>
+              </a:solidFill>
+              <a:effectLst>
+                <a:outerShdw blurRad="38100" dist="38100" dir="2700000" algn="tl">
+                  <a:srgbClr val="000000">
+                    <a:alpha val="43137"/>
+                  </a:srgbClr>
+                </a:outerShdw>
+              </a:effectLst>
+            </a:endParaRPr>
+          </a:p>
+          <a:p>
+            <a:r>
+              <a:t>TensorFlow and Keras are two of the most widely used deep learning frameworks.</a:t>
+            </a:r>
+          </a:p>
+          <a:p>
+            <a:pPr>
+              <a:buFont typeface="Arial" panose="020B0604020202020204"/>
+              <a:buChar char="•"/>
+            </a:pPr>
+            <a:r>
+              <a:rPr sz="2400" b="1"/>
+              <a:t>TensorFlow:</a:t>
+            </a:r>
+            <a:endParaRPr sz="2400" b="1"/>
+          </a:p>
+          <a:p>
+            <a:pPr lvl="1">
+              <a:buFont typeface="Arial" panose="020B0604020202020204"/>
+              <a:buChar char="◦"/>
+            </a:pPr>
+            <a:r>
+              <a:t>Developed by Google Brain.</a:t>
+            </a:r>
+          </a:p>
+          <a:p>
+            <a:pPr lvl="1">
+              <a:buFont typeface="Arial" panose="020B0604020202020204"/>
+              <a:buChar char="◦"/>
+            </a:pPr>
+            <a:r>
+              <a:t>Provides low-level and high-level APIs for building deep learning models.</a:t>
+            </a:r>
+          </a:p>
+          <a:p>
+            <a:pPr lvl="1">
+              <a:buFont typeface="Arial" panose="020B0604020202020204"/>
+              <a:buChar char="◦"/>
+            </a:pPr>
+            <a:r>
+              <a:t>Supports large-scale machine learning and deployment.</a:t>
+            </a:r>
+          </a:p>
+          <a:p>
+            <a:pPr lvl="1">
+              <a:buFont typeface="Arial" panose="020B0604020202020204"/>
+              <a:buChar char="◦"/>
+            </a:pPr>
+          </a:p>
+          <a:p>
+            <a:pPr>
+              <a:buFont typeface="Arial" panose="020B0604020202020204"/>
+              <a:buChar char="•"/>
+            </a:pPr>
+            <a:r>
+              <a:rPr sz="2400" b="1"/>
+              <a:t>Keras:</a:t>
+            </a:r>
+            <a:endParaRPr sz="2400" b="1"/>
+          </a:p>
+          <a:p>
+            <a:pPr lvl="1">
+              <a:buFont typeface="Arial" panose="020B0604020202020204"/>
+              <a:buChar char="◦"/>
+            </a:pPr>
+            <a:r>
+              <a:t>High-level API built on TensorFlow.</a:t>
+            </a:r>
+          </a:p>
+          <a:p>
+            <a:pPr lvl="1">
+              <a:buFont typeface="Arial" panose="020B0604020202020204"/>
+              <a:buChar char="◦"/>
+            </a:pPr>
+            <a:r>
+              <a:t>Simplifies model building and experimentation.</a:t>
+            </a:r>
+          </a:p>
+          <a:p>
+            <a:pPr lvl="1">
+              <a:buFont typeface="Arial" panose="020B0604020202020204"/>
+              <a:buChar char="◦"/>
+            </a:pPr>
+            <a:r>
+              <a:t>Allows quick prototyping with minimal code.</a:t>
+            </a:r>
+          </a:p>
+        </p:txBody>
+      </p:sp>
+      <p:sp>
+        <p:nvSpPr>
+          <p:cNvPr id="3" name="Text Box 2"/>
           <p:cNvSpPr txBox="1"/>
           <p:nvPr/>
         </p:nvSpPr>
         <p:spPr>
           <a:xfrm>
-            <a:off x="238760" y="6318250"/>
+            <a:off x="355600" y="6162040"/>
             <a:ext cx="6096000" cy="368300"/>
           </a:xfrm>
           <a:prstGeom prst="rect">
@@ -5058,52 +4934,378 @@
           <a:p>
             <a:r>
               <a:rPr lang="en-US" altLang="en-US"/>
-              <a:t>https://ellow.io/components-of-ai/</a:t>
+              <a:t>https://keras.io/about/</a:t>
             </a:r>
             <a:endParaRPr lang="en-US"/>
           </a:p>
         </p:txBody>
       </p:sp>
-      <p:pic>
-        <p:nvPicPr>
-          <p:cNvPr id="6" name="Picture 5"/>
-          <p:cNvPicPr/>
+      <p:sp>
+        <p:nvSpPr>
+          <p:cNvPr id="4" name="Text Box 3"/>
+          <p:cNvSpPr txBox="1"/>
           <p:nvPr/>
-        </p:nvPicPr>
-        <p:blipFill>
-          <a:blip r:embed="rId2"/>
-          <a:stretch>
-            <a:fillRect/>
-          </a:stretch>
-        </p:blipFill>
+        </p:nvSpPr>
         <p:spPr>
           <a:xfrm>
-            <a:off x="6477000" y="2571750"/>
-            <a:ext cx="5715000" cy="4286250"/>
+            <a:off x="355600" y="6489700"/>
+            <a:ext cx="6096000" cy="368300"/>
+          </a:xfrm>
+          <a:prstGeom prst="rect">
+            <a:avLst/>
+          </a:prstGeom>
+          <a:noFill/>
+        </p:spPr>
+        <p:txBody>
+          <a:bodyPr wrap="square" rtlCol="0" anchor="t">
+            <a:spAutoFit/>
+          </a:bodyPr>
+          <a:p>
+            <a:r>
+              <a:rPr lang="en-US" altLang="en-US"/>
+              <a:t>https://www.tensorflow.org/</a:t>
+            </a:r>
+            <a:endParaRPr lang="en-US"/>
+          </a:p>
+        </p:txBody>
+      </p:sp>
+      <p:sp>
+        <p:nvSpPr>
+          <p:cNvPr id="5" name="Text Box 4"/>
+          <p:cNvSpPr txBox="1"/>
+          <p:nvPr/>
+        </p:nvSpPr>
+        <p:spPr>
+          <a:xfrm>
+            <a:off x="3358515" y="3811905"/>
+            <a:ext cx="8644255" cy="3046095"/>
           </a:xfrm>
           <a:prstGeom prst="rect">
             <a:avLst/>
           </a:prstGeom>
         </p:spPr>
-      </p:pic>
-    </p:spTree>
-  </p:cSld>
-  <p:clrMapOvr>
-    <a:masterClrMapping/>
-  </p:clrMapOvr>
-</p:sld>
-</file>
-
-<file path=ppt/slides/slide20.xml><?xml version="1.0" encoding="utf-8"?>
-<p:sld xmlns:a="http://schemas.openxmlformats.org/drawingml/2006/main" xmlns:r="http://schemas.openxmlformats.org/officeDocument/2006/relationships" xmlns:p="http://schemas.openxmlformats.org/presentationml/2006/main">
-  <p:cSld>
-    <p:spTree>
-      <p:nvGrpSpPr>
-        <p:cNvPr id="1" name=""/>
-        <p:cNvGrpSpPr/>
-        <p:nvPr/>
-      </p:nvGrpSpPr>
-      <p:grpSpPr/>
+        <p:txBody>
+          <a:bodyPr wrap="square">
+            <a:spAutoFit/>
+          </a:bodyPr>
+          <a:p>
+            <a:pPr marL="0" indent="0" algn="l">
+              <a:spcBef>
+                <a:spcPct val="0"/>
+              </a:spcBef>
+            </a:pPr>
+            <a:r>
+              <a:rPr sz="1600" b="0" i="0">
+                <a:solidFill>
+                  <a:srgbClr val="212529"/>
+                </a:solidFill>
+                <a:latin typeface="Arial" panose="020B0604020202020204" pitchFamily="34" charset="0"/>
+                <a:ea typeface="Open Sans"/>
+                <a:cs typeface="Arial" panose="020B0604020202020204" pitchFamily="34" charset="0"/>
+              </a:rPr>
+              <a:t>Keras is a deep learning API written in Python and capable of running on top of</a:t>
+            </a:r>
+            <a:r>
+              <a:rPr lang="en-US" sz="1600" b="0" i="0">
+                <a:solidFill>
+                  <a:srgbClr val="212529"/>
+                </a:solidFill>
+                <a:latin typeface="Arial" panose="020B0604020202020204" pitchFamily="34" charset="0"/>
+                <a:ea typeface="Open Sans"/>
+                <a:cs typeface="Arial" panose="020B0604020202020204" pitchFamily="34" charset="0"/>
+              </a:rPr>
+              <a:t> </a:t>
+            </a:r>
+            <a:r>
+              <a:rPr sz="1600" b="0" i="0">
+                <a:solidFill>
+                  <a:srgbClr val="212529"/>
+                </a:solidFill>
+                <a:latin typeface="Arial" panose="020B0604020202020204" pitchFamily="34" charset="0"/>
+                <a:ea typeface="Open Sans"/>
+                <a:cs typeface="Arial" panose="020B0604020202020204" pitchFamily="34" charset="0"/>
+              </a:rPr>
+              <a:t>either </a:t>
+            </a:r>
+            <a:r>
+              <a:rPr sz="1600" b="0" i="0">
+                <a:solidFill>
+                  <a:srgbClr val="D00000"/>
+                </a:solidFill>
+                <a:latin typeface="Arial" panose="020B0604020202020204" pitchFamily="34" charset="0"/>
+                <a:ea typeface="Open Sans"/>
+                <a:cs typeface="Arial" panose="020B0604020202020204" pitchFamily="34" charset="0"/>
+                <a:hlinkClick r:id="rId1"/>
+              </a:rPr>
+              <a:t>JAX</a:t>
+            </a:r>
+            <a:r>
+              <a:rPr sz="1600" b="0" i="0">
+                <a:solidFill>
+                  <a:srgbClr val="212529"/>
+                </a:solidFill>
+                <a:latin typeface="Arial" panose="020B0604020202020204" pitchFamily="34" charset="0"/>
+                <a:ea typeface="Open Sans"/>
+                <a:cs typeface="Arial" panose="020B0604020202020204" pitchFamily="34" charset="0"/>
+              </a:rPr>
+              <a:t>, </a:t>
+            </a:r>
+            <a:r>
+              <a:rPr sz="1600" b="0" i="0">
+                <a:solidFill>
+                  <a:srgbClr val="D00000"/>
+                </a:solidFill>
+                <a:latin typeface="Arial" panose="020B0604020202020204" pitchFamily="34" charset="0"/>
+                <a:ea typeface="Open Sans"/>
+                <a:cs typeface="Arial" panose="020B0604020202020204" pitchFamily="34" charset="0"/>
+                <a:hlinkClick r:id="rId2"/>
+              </a:rPr>
+              <a:t>TensorFlow</a:t>
+            </a:r>
+            <a:r>
+              <a:rPr sz="1600" b="0" i="0">
+                <a:solidFill>
+                  <a:srgbClr val="212529"/>
+                </a:solidFill>
+                <a:latin typeface="Arial" panose="020B0604020202020204" pitchFamily="34" charset="0"/>
+                <a:ea typeface="Open Sans"/>
+                <a:cs typeface="Arial" panose="020B0604020202020204" pitchFamily="34" charset="0"/>
+              </a:rPr>
+              <a:t>, or </a:t>
+            </a:r>
+            <a:r>
+              <a:rPr sz="1600" b="0" i="0">
+                <a:solidFill>
+                  <a:srgbClr val="D00000"/>
+                </a:solidFill>
+                <a:latin typeface="Arial" panose="020B0604020202020204" pitchFamily="34" charset="0"/>
+                <a:ea typeface="Open Sans"/>
+                <a:cs typeface="Arial" panose="020B0604020202020204" pitchFamily="34" charset="0"/>
+                <a:hlinkClick r:id="rId3"/>
+              </a:rPr>
+              <a:t>PyTorch</a:t>
+            </a:r>
+            <a:r>
+              <a:rPr sz="1600" b="0" i="0">
+                <a:solidFill>
+                  <a:srgbClr val="212529"/>
+                </a:solidFill>
+                <a:latin typeface="Arial" panose="020B0604020202020204" pitchFamily="34" charset="0"/>
+                <a:ea typeface="Open Sans"/>
+                <a:cs typeface="Arial" panose="020B0604020202020204" pitchFamily="34" charset="0"/>
+              </a:rPr>
+              <a:t>.</a:t>
+            </a:r>
+            <a:endParaRPr sz="1600" b="0" i="0">
+              <a:solidFill>
+                <a:srgbClr val="212529"/>
+              </a:solidFill>
+              <a:latin typeface="Arial" panose="020B0604020202020204" pitchFamily="34" charset="0"/>
+              <a:ea typeface="Open Sans"/>
+              <a:cs typeface="Arial" panose="020B0604020202020204" pitchFamily="34" charset="0"/>
+            </a:endParaRPr>
+          </a:p>
+          <a:p>
+            <a:pPr marL="0" indent="0" algn="l">
+              <a:spcBef>
+                <a:spcPct val="0"/>
+              </a:spcBef>
+            </a:pPr>
+            <a:r>
+              <a:rPr sz="1600" b="0" i="0">
+                <a:solidFill>
+                  <a:srgbClr val="212529"/>
+                </a:solidFill>
+                <a:latin typeface="Arial" panose="020B0604020202020204" pitchFamily="34" charset="0"/>
+                <a:ea typeface="Open Sans"/>
+                <a:cs typeface="Arial" panose="020B0604020202020204" pitchFamily="34" charset="0"/>
+              </a:rPr>
+              <a:t>Keras is:</a:t>
+            </a:r>
+            <a:endParaRPr sz="1600" b="0" i="0">
+              <a:solidFill>
+                <a:srgbClr val="212529"/>
+              </a:solidFill>
+              <a:latin typeface="Arial" panose="020B0604020202020204" pitchFamily="34" charset="0"/>
+              <a:ea typeface="Open Sans"/>
+              <a:cs typeface="Arial" panose="020B0604020202020204" pitchFamily="34" charset="0"/>
+            </a:endParaRPr>
+          </a:p>
+          <a:p>
+            <a:pPr marL="0" indent="0" algn="l">
+              <a:spcBef>
+                <a:spcPct val="0"/>
+              </a:spcBef>
+              <a:buFont typeface="Arial" panose="020B0604020202020204"/>
+              <a:buChar char="•"/>
+            </a:pPr>
+            <a:r>
+              <a:rPr sz="1600" b="1" i="0">
+                <a:solidFill>
+                  <a:srgbClr val="212529"/>
+                </a:solidFill>
+                <a:latin typeface="Arial" panose="020B0604020202020204" pitchFamily="34" charset="0"/>
+                <a:ea typeface="Open Sans"/>
+                <a:cs typeface="Arial" panose="020B0604020202020204" pitchFamily="34" charset="0"/>
+              </a:rPr>
+              <a:t>Simple</a:t>
+            </a:r>
+            <a:r>
+              <a:rPr sz="1600" b="0" i="0">
+                <a:solidFill>
+                  <a:srgbClr val="212529"/>
+                </a:solidFill>
+                <a:latin typeface="Arial" panose="020B0604020202020204" pitchFamily="34" charset="0"/>
+                <a:ea typeface="Open Sans"/>
+                <a:cs typeface="Arial" panose="020B0604020202020204" pitchFamily="34" charset="0"/>
+              </a:rPr>
+              <a:t> – but not simplistic. Keras reduces developer cognitive load to free you to focus on the parts of the problem that really matter.</a:t>
+            </a:r>
+            <a:endParaRPr sz="1600" b="0" i="0">
+              <a:solidFill>
+                <a:srgbClr val="212529"/>
+              </a:solidFill>
+              <a:latin typeface="Arial" panose="020B0604020202020204" pitchFamily="34" charset="0"/>
+              <a:ea typeface="Open Sans"/>
+              <a:cs typeface="Arial" panose="020B0604020202020204" pitchFamily="34" charset="0"/>
+            </a:endParaRPr>
+          </a:p>
+          <a:p>
+            <a:pPr marL="0" indent="0" algn="l">
+              <a:spcBef>
+                <a:spcPct val="0"/>
+              </a:spcBef>
+              <a:buFont typeface="Arial" panose="020B0604020202020204"/>
+              <a:buChar char="•"/>
+            </a:pPr>
+            <a:endParaRPr sz="1600" b="1" i="0">
+              <a:solidFill>
+                <a:srgbClr val="212529"/>
+              </a:solidFill>
+              <a:latin typeface="Arial" panose="020B0604020202020204" pitchFamily="34" charset="0"/>
+              <a:ea typeface="Open Sans"/>
+              <a:cs typeface="Arial" panose="020B0604020202020204" pitchFamily="34" charset="0"/>
+            </a:endParaRPr>
+          </a:p>
+          <a:p>
+            <a:pPr marL="0" indent="0" algn="l">
+              <a:spcBef>
+                <a:spcPct val="0"/>
+              </a:spcBef>
+              <a:buFont typeface="Arial" panose="020B0604020202020204"/>
+              <a:buChar char="•"/>
+            </a:pPr>
+            <a:r>
+              <a:rPr sz="1600" b="1" i="0">
+                <a:solidFill>
+                  <a:srgbClr val="212529"/>
+                </a:solidFill>
+                <a:latin typeface="Arial" panose="020B0604020202020204" pitchFamily="34" charset="0"/>
+                <a:ea typeface="Open Sans"/>
+                <a:cs typeface="Arial" panose="020B0604020202020204" pitchFamily="34" charset="0"/>
+              </a:rPr>
+              <a:t>Flexible</a:t>
+            </a:r>
+            <a:r>
+              <a:rPr sz="1600" b="0" i="0">
+                <a:solidFill>
+                  <a:srgbClr val="212529"/>
+                </a:solidFill>
+                <a:latin typeface="Arial" panose="020B0604020202020204" pitchFamily="34" charset="0"/>
+                <a:ea typeface="Open Sans"/>
+                <a:cs typeface="Arial" panose="020B0604020202020204" pitchFamily="34" charset="0"/>
+              </a:rPr>
+              <a:t> – Keras adopts the principle of progressive disclosure of complexity: simple</a:t>
+            </a:r>
+            <a:r>
+              <a:rPr lang="en-US" sz="1600" b="0" i="0">
+                <a:solidFill>
+                  <a:srgbClr val="212529"/>
+                </a:solidFill>
+                <a:latin typeface="Arial" panose="020B0604020202020204" pitchFamily="34" charset="0"/>
+                <a:ea typeface="Open Sans"/>
+                <a:cs typeface="Arial" panose="020B0604020202020204" pitchFamily="34" charset="0"/>
+              </a:rPr>
+              <a:t> </a:t>
+            </a:r>
+            <a:r>
+              <a:rPr sz="1600" b="0" i="0">
+                <a:solidFill>
+                  <a:srgbClr val="212529"/>
+                </a:solidFill>
+                <a:latin typeface="Arial" panose="020B0604020202020204" pitchFamily="34" charset="0"/>
+                <a:ea typeface="Open Sans"/>
+                <a:cs typeface="Arial" panose="020B0604020202020204" pitchFamily="34" charset="0"/>
+              </a:rPr>
+              <a:t>workflows should be quick and easy, while arbitrarily advanced workflows should be possible via a clear path that builds upon what you've already learned.</a:t>
+            </a:r>
+            <a:endParaRPr sz="1600" b="0" i="0">
+              <a:solidFill>
+                <a:srgbClr val="212529"/>
+              </a:solidFill>
+              <a:latin typeface="Arial" panose="020B0604020202020204" pitchFamily="34" charset="0"/>
+              <a:ea typeface="Open Sans"/>
+              <a:cs typeface="Arial" panose="020B0604020202020204" pitchFamily="34" charset="0"/>
+            </a:endParaRPr>
+          </a:p>
+          <a:p>
+            <a:pPr marL="0" indent="0" algn="l">
+              <a:spcBef>
+                <a:spcPct val="0"/>
+              </a:spcBef>
+              <a:buFont typeface="Arial" panose="020B0604020202020204"/>
+              <a:buChar char="•"/>
+            </a:pPr>
+            <a:endParaRPr sz="1600" b="1" i="0">
+              <a:solidFill>
+                <a:srgbClr val="212529"/>
+              </a:solidFill>
+              <a:latin typeface="Arial" panose="020B0604020202020204" pitchFamily="34" charset="0"/>
+              <a:ea typeface="Open Sans"/>
+              <a:cs typeface="Arial" panose="020B0604020202020204" pitchFamily="34" charset="0"/>
+            </a:endParaRPr>
+          </a:p>
+          <a:p>
+            <a:pPr marL="0" indent="0" algn="l">
+              <a:spcBef>
+                <a:spcPct val="0"/>
+              </a:spcBef>
+              <a:buFont typeface="Arial" panose="020B0604020202020204"/>
+              <a:buChar char="•"/>
+            </a:pPr>
+            <a:r>
+              <a:rPr sz="1600" b="1" i="0">
+                <a:solidFill>
+                  <a:srgbClr val="212529"/>
+                </a:solidFill>
+                <a:latin typeface="Arial" panose="020B0604020202020204" pitchFamily="34" charset="0"/>
+                <a:ea typeface="Open Sans"/>
+                <a:cs typeface="Arial" panose="020B0604020202020204" pitchFamily="34" charset="0"/>
+              </a:rPr>
+              <a:t>Powerful</a:t>
+            </a:r>
+            <a:r>
+              <a:rPr sz="1600" b="0" i="0">
+                <a:solidFill>
+                  <a:srgbClr val="212529"/>
+                </a:solidFill>
+                <a:latin typeface="Arial" panose="020B0604020202020204" pitchFamily="34" charset="0"/>
+                <a:ea typeface="Open Sans"/>
+                <a:cs typeface="Arial" panose="020B0604020202020204" pitchFamily="34" charset="0"/>
+              </a:rPr>
+              <a:t> – Keras provides industry-strength performance and scalability: it is used by organizations including NASA, YouTube, or Waymo.</a:t>
+            </a:r>
+            <a:endParaRPr sz="1600" b="0" i="0">
+              <a:solidFill>
+                <a:srgbClr val="212529"/>
+              </a:solidFill>
+              <a:latin typeface="Arial" panose="020B0604020202020204" pitchFamily="34" charset="0"/>
+              <a:ea typeface="Open Sans"/>
+              <a:cs typeface="Arial" panose="020B0604020202020204" pitchFamily="34" charset="0"/>
+            </a:endParaRPr>
+          </a:p>
+        </p:txBody>
+      </p:sp>
     </p:spTree>
   </p:cSld>
   <p:clrMapOvr>
@@ -5124,670 +5326,6 @@
       <p:grpSpPr/>
       <p:sp>
         <p:nvSpPr>
-          <p:cNvPr id="3" name="Text Box 2"/>
-          <p:cNvSpPr txBox="1"/>
-          <p:nvPr/>
-        </p:nvSpPr>
-        <p:spPr>
-          <a:xfrm>
-            <a:off x="0" y="0"/>
-            <a:ext cx="2840990" cy="2122805"/>
-          </a:xfrm>
-          <a:prstGeom prst="rect">
-            <a:avLst/>
-          </a:prstGeom>
-          <a:noFill/>
-        </p:spPr>
-        <p:txBody>
-          <a:bodyPr wrap="square" rtlCol="0">
-            <a:spAutoFit/>
-          </a:bodyPr>
-          <a:p>
-            <a:r>
-              <a:rPr lang="en-US" sz="4400" b="1">
-                <a:solidFill>
-                  <a:srgbClr val="FF0000"/>
-                </a:solidFill>
-                <a:effectLst>
-                  <a:outerShdw blurRad="38100" dist="38100" dir="2700000" algn="tl">
-                    <a:srgbClr val="000000">
-                      <a:alpha val="43137"/>
-                    </a:srgbClr>
-                  </a:outerShdw>
-                </a:effectLst>
-              </a:rPr>
-              <a:t>Algorithms and models </a:t>
-            </a:r>
-            <a:endParaRPr lang="en-US" sz="4400" b="1">
-              <a:solidFill>
-                <a:srgbClr val="FF0000"/>
-              </a:solidFill>
-              <a:effectLst>
-                <a:outerShdw blurRad="38100" dist="38100" dir="2700000" algn="tl">
-                  <a:srgbClr val="000000">
-                    <a:alpha val="43137"/>
-                  </a:srgbClr>
-                </a:outerShdw>
-              </a:effectLst>
-            </a:endParaRPr>
-          </a:p>
-        </p:txBody>
-      </p:sp>
-      <p:pic>
-        <p:nvPicPr>
-          <p:cNvPr id="4" name="Picture 3"/>
-          <p:cNvPicPr/>
-          <p:nvPr/>
-        </p:nvPicPr>
-        <p:blipFill>
-          <a:blip r:embed="rId1"/>
-          <a:srcRect t="7325"/>
-          <a:stretch>
-            <a:fillRect/>
-          </a:stretch>
-        </p:blipFill>
-        <p:spPr>
-          <a:xfrm>
-            <a:off x="3968115" y="635"/>
-            <a:ext cx="8507095" cy="6858000"/>
-          </a:xfrm>
-          <a:prstGeom prst="rect">
-            <a:avLst/>
-          </a:prstGeom>
-        </p:spPr>
-      </p:pic>
-      <p:pic>
-        <p:nvPicPr>
-          <p:cNvPr id="2" name="Picture 1"/>
-          <p:cNvPicPr/>
-          <p:nvPr/>
-        </p:nvPicPr>
-        <p:blipFill>
-          <a:blip r:embed="rId2"/>
-          <a:stretch>
-            <a:fillRect/>
-          </a:stretch>
-        </p:blipFill>
-        <p:spPr>
-          <a:xfrm>
-            <a:off x="-247650" y="2246630"/>
-            <a:ext cx="5125085" cy="4774565"/>
-          </a:xfrm>
-          <a:prstGeom prst="rect">
-            <a:avLst/>
-          </a:prstGeom>
-        </p:spPr>
-      </p:pic>
-    </p:spTree>
-  </p:cSld>
-  <p:clrMapOvr>
-    <a:masterClrMapping/>
-  </p:clrMapOvr>
-</p:sld>
-</file>
-
-<file path=ppt/slides/slide4.xml><?xml version="1.0" encoding="utf-8"?>
-<p:sld xmlns:a="http://schemas.openxmlformats.org/drawingml/2006/main" xmlns:r="http://schemas.openxmlformats.org/officeDocument/2006/relationships" xmlns:p="http://schemas.openxmlformats.org/presentationml/2006/main">
-  <p:cSld>
-    <p:spTree>
-      <p:nvGrpSpPr>
-        <p:cNvPr id="1" name=""/>
-        <p:cNvGrpSpPr/>
-        <p:nvPr/>
-      </p:nvGrpSpPr>
-      <p:grpSpPr/>
-      <p:sp>
-        <p:nvSpPr>
-          <p:cNvPr id="2" name="Text Box 1"/>
-          <p:cNvSpPr txBox="1"/>
-          <p:nvPr/>
-        </p:nvSpPr>
-        <p:spPr>
-          <a:xfrm>
-            <a:off x="196850" y="270510"/>
-            <a:ext cx="7446645" cy="3753485"/>
-          </a:xfrm>
-          <a:prstGeom prst="rect">
-            <a:avLst/>
-          </a:prstGeom>
-        </p:spPr>
-        <p:txBody>
-          <a:bodyPr wrap="square">
-            <a:spAutoFit/>
-          </a:bodyPr>
-          <a:p>
-            <a:r>
-              <a:rPr sz="2800" b="1">
-                <a:solidFill>
-                  <a:srgbClr val="FF0000"/>
-                </a:solidFill>
-                <a:effectLst>
-                  <a:outerShdw blurRad="38100" dist="38100" dir="2700000" algn="tl">
-                    <a:srgbClr val="000000">
-                      <a:alpha val="43137"/>
-                    </a:srgbClr>
-                  </a:outerShdw>
-                </a:effectLst>
-              </a:rPr>
-              <a:t>Introduction to TensorFlow and Keras</a:t>
-            </a:r>
-            <a:endParaRPr sz="2800" b="1">
-              <a:solidFill>
-                <a:srgbClr val="FF0000"/>
-              </a:solidFill>
-              <a:effectLst>
-                <a:outerShdw blurRad="38100" dist="38100" dir="2700000" algn="tl">
-                  <a:srgbClr val="000000">
-                    <a:alpha val="43137"/>
-                  </a:srgbClr>
-                </a:outerShdw>
-              </a:effectLst>
-            </a:endParaRPr>
-          </a:p>
-          <a:p>
-            <a:r>
-              <a:t>TensorFlow and Keras are two of the most widely used deep learning frameworks.</a:t>
-            </a:r>
-          </a:p>
-          <a:p>
-            <a:pPr>
-              <a:buFont typeface="Arial" panose="020B0604020202020204"/>
-              <a:buChar char="•"/>
-            </a:pPr>
-            <a:r>
-              <a:rPr sz="2400" b="1"/>
-              <a:t>TensorFlow:</a:t>
-            </a:r>
-            <a:endParaRPr sz="2400" b="1"/>
-          </a:p>
-          <a:p>
-            <a:pPr lvl="1">
-              <a:buFont typeface="Arial" panose="020B0604020202020204"/>
-              <a:buChar char="◦"/>
-            </a:pPr>
-            <a:r>
-              <a:t>Developed by Google Brain.</a:t>
-            </a:r>
-          </a:p>
-          <a:p>
-            <a:pPr lvl="1">
-              <a:buFont typeface="Arial" panose="020B0604020202020204"/>
-              <a:buChar char="◦"/>
-            </a:pPr>
-            <a:r>
-              <a:t>Provides low-level and high-level APIs for building deep learning models.</a:t>
-            </a:r>
-          </a:p>
-          <a:p>
-            <a:pPr lvl="1">
-              <a:buFont typeface="Arial" panose="020B0604020202020204"/>
-              <a:buChar char="◦"/>
-            </a:pPr>
-            <a:r>
-              <a:t>Supports large-scale machine learning and deployment.</a:t>
-            </a:r>
-          </a:p>
-          <a:p>
-            <a:pPr lvl="1">
-              <a:buFont typeface="Arial" panose="020B0604020202020204"/>
-              <a:buChar char="◦"/>
-            </a:pPr>
-          </a:p>
-          <a:p>
-            <a:pPr>
-              <a:buFont typeface="Arial" panose="020B0604020202020204"/>
-              <a:buChar char="•"/>
-            </a:pPr>
-            <a:r>
-              <a:rPr sz="2400" b="1"/>
-              <a:t>Keras:</a:t>
-            </a:r>
-            <a:endParaRPr sz="2400" b="1"/>
-          </a:p>
-          <a:p>
-            <a:pPr lvl="1">
-              <a:buFont typeface="Arial" panose="020B0604020202020204"/>
-              <a:buChar char="◦"/>
-            </a:pPr>
-            <a:r>
-              <a:t>High-level API built on TensorFlow.</a:t>
-            </a:r>
-          </a:p>
-          <a:p>
-            <a:pPr lvl="1">
-              <a:buFont typeface="Arial" panose="020B0604020202020204"/>
-              <a:buChar char="◦"/>
-            </a:pPr>
-            <a:r>
-              <a:t>Simplifies model building and experimentation.</a:t>
-            </a:r>
-          </a:p>
-          <a:p>
-            <a:pPr lvl="1">
-              <a:buFont typeface="Arial" panose="020B0604020202020204"/>
-              <a:buChar char="◦"/>
-            </a:pPr>
-            <a:r>
-              <a:t>Allows quick prototyping with minimal code.</a:t>
-            </a:r>
-          </a:p>
-        </p:txBody>
-      </p:sp>
-      <p:sp>
-        <p:nvSpPr>
-          <p:cNvPr id="3" name="Text Box 2"/>
-          <p:cNvSpPr txBox="1"/>
-          <p:nvPr/>
-        </p:nvSpPr>
-        <p:spPr>
-          <a:xfrm>
-            <a:off x="355600" y="6162040"/>
-            <a:ext cx="6096000" cy="368300"/>
-          </a:xfrm>
-          <a:prstGeom prst="rect">
-            <a:avLst/>
-          </a:prstGeom>
-          <a:noFill/>
-        </p:spPr>
-        <p:txBody>
-          <a:bodyPr wrap="square" rtlCol="0" anchor="t">
-            <a:spAutoFit/>
-          </a:bodyPr>
-          <a:p>
-            <a:r>
-              <a:rPr lang="en-US" altLang="en-US"/>
-              <a:t>https://keras.io/about/</a:t>
-            </a:r>
-            <a:endParaRPr lang="en-US"/>
-          </a:p>
-        </p:txBody>
-      </p:sp>
-      <p:sp>
-        <p:nvSpPr>
-          <p:cNvPr id="4" name="Text Box 3"/>
-          <p:cNvSpPr txBox="1"/>
-          <p:nvPr/>
-        </p:nvSpPr>
-        <p:spPr>
-          <a:xfrm>
-            <a:off x="355600" y="6489700"/>
-            <a:ext cx="6096000" cy="368300"/>
-          </a:xfrm>
-          <a:prstGeom prst="rect">
-            <a:avLst/>
-          </a:prstGeom>
-          <a:noFill/>
-        </p:spPr>
-        <p:txBody>
-          <a:bodyPr wrap="square" rtlCol="0" anchor="t">
-            <a:spAutoFit/>
-          </a:bodyPr>
-          <a:p>
-            <a:r>
-              <a:rPr lang="en-US" altLang="en-US"/>
-              <a:t>https://www.tensorflow.org/</a:t>
-            </a:r>
-            <a:endParaRPr lang="en-US"/>
-          </a:p>
-        </p:txBody>
-      </p:sp>
-      <p:sp>
-        <p:nvSpPr>
-          <p:cNvPr id="5" name="Text Box 4"/>
-          <p:cNvSpPr txBox="1"/>
-          <p:nvPr/>
-        </p:nvSpPr>
-        <p:spPr>
-          <a:xfrm>
-            <a:off x="3358515" y="3811905"/>
-            <a:ext cx="8644255" cy="3046095"/>
-          </a:xfrm>
-          <a:prstGeom prst="rect">
-            <a:avLst/>
-          </a:prstGeom>
-        </p:spPr>
-        <p:txBody>
-          <a:bodyPr wrap="square">
-            <a:spAutoFit/>
-          </a:bodyPr>
-          <a:p>
-            <a:pPr marL="0" indent="0" algn="l">
-              <a:spcBef>
-                <a:spcPct val="0"/>
-              </a:spcBef>
-            </a:pPr>
-            <a:r>
-              <a:rPr sz="1600" b="0" i="0">
-                <a:solidFill>
-                  <a:srgbClr val="212529"/>
-                </a:solidFill>
-                <a:latin typeface="Arial" panose="020B0604020202020204" pitchFamily="34" charset="0"/>
-                <a:ea typeface="Open Sans"/>
-                <a:cs typeface="Arial" panose="020B0604020202020204" pitchFamily="34" charset="0"/>
-              </a:rPr>
-              <a:t>Keras is a deep learning API written in Python and capable of running on top of</a:t>
-            </a:r>
-            <a:r>
-              <a:rPr lang="en-US" sz="1600" b="0" i="0">
-                <a:solidFill>
-                  <a:srgbClr val="212529"/>
-                </a:solidFill>
-                <a:latin typeface="Arial" panose="020B0604020202020204" pitchFamily="34" charset="0"/>
-                <a:ea typeface="Open Sans"/>
-                <a:cs typeface="Arial" panose="020B0604020202020204" pitchFamily="34" charset="0"/>
-              </a:rPr>
-              <a:t> </a:t>
-            </a:r>
-            <a:r>
-              <a:rPr sz="1600" b="0" i="0">
-                <a:solidFill>
-                  <a:srgbClr val="212529"/>
-                </a:solidFill>
-                <a:latin typeface="Arial" panose="020B0604020202020204" pitchFamily="34" charset="0"/>
-                <a:ea typeface="Open Sans"/>
-                <a:cs typeface="Arial" panose="020B0604020202020204" pitchFamily="34" charset="0"/>
-              </a:rPr>
-              <a:t>either </a:t>
-            </a:r>
-            <a:r>
-              <a:rPr sz="1600" b="0" i="0">
-                <a:solidFill>
-                  <a:srgbClr val="D00000"/>
-                </a:solidFill>
-                <a:latin typeface="Arial" panose="020B0604020202020204" pitchFamily="34" charset="0"/>
-                <a:ea typeface="Open Sans"/>
-                <a:cs typeface="Arial" panose="020B0604020202020204" pitchFamily="34" charset="0"/>
-                <a:hlinkClick r:id="rId1"/>
-              </a:rPr>
-              <a:t>JAX</a:t>
-            </a:r>
-            <a:r>
-              <a:rPr sz="1600" b="0" i="0">
-                <a:solidFill>
-                  <a:srgbClr val="212529"/>
-                </a:solidFill>
-                <a:latin typeface="Arial" panose="020B0604020202020204" pitchFamily="34" charset="0"/>
-                <a:ea typeface="Open Sans"/>
-                <a:cs typeface="Arial" panose="020B0604020202020204" pitchFamily="34" charset="0"/>
-              </a:rPr>
-              <a:t>, </a:t>
-            </a:r>
-            <a:r>
-              <a:rPr sz="1600" b="0" i="0">
-                <a:solidFill>
-                  <a:srgbClr val="D00000"/>
-                </a:solidFill>
-                <a:latin typeface="Arial" panose="020B0604020202020204" pitchFamily="34" charset="0"/>
-                <a:ea typeface="Open Sans"/>
-                <a:cs typeface="Arial" panose="020B0604020202020204" pitchFamily="34" charset="0"/>
-                <a:hlinkClick r:id="rId2"/>
-              </a:rPr>
-              <a:t>TensorFlow</a:t>
-            </a:r>
-            <a:r>
-              <a:rPr sz="1600" b="0" i="0">
-                <a:solidFill>
-                  <a:srgbClr val="212529"/>
-                </a:solidFill>
-                <a:latin typeface="Arial" panose="020B0604020202020204" pitchFamily="34" charset="0"/>
-                <a:ea typeface="Open Sans"/>
-                <a:cs typeface="Arial" panose="020B0604020202020204" pitchFamily="34" charset="0"/>
-              </a:rPr>
-              <a:t>, or </a:t>
-            </a:r>
-            <a:r>
-              <a:rPr sz="1600" b="0" i="0">
-                <a:solidFill>
-                  <a:srgbClr val="D00000"/>
-                </a:solidFill>
-                <a:latin typeface="Arial" panose="020B0604020202020204" pitchFamily="34" charset="0"/>
-                <a:ea typeface="Open Sans"/>
-                <a:cs typeface="Arial" panose="020B0604020202020204" pitchFamily="34" charset="0"/>
-                <a:hlinkClick r:id="rId3"/>
-              </a:rPr>
-              <a:t>PyTorch</a:t>
-            </a:r>
-            <a:r>
-              <a:rPr sz="1600" b="0" i="0">
-                <a:solidFill>
-                  <a:srgbClr val="212529"/>
-                </a:solidFill>
-                <a:latin typeface="Arial" panose="020B0604020202020204" pitchFamily="34" charset="0"/>
-                <a:ea typeface="Open Sans"/>
-                <a:cs typeface="Arial" panose="020B0604020202020204" pitchFamily="34" charset="0"/>
-              </a:rPr>
-              <a:t>.</a:t>
-            </a:r>
-            <a:endParaRPr sz="1600" b="0" i="0">
-              <a:solidFill>
-                <a:srgbClr val="212529"/>
-              </a:solidFill>
-              <a:latin typeface="Arial" panose="020B0604020202020204" pitchFamily="34" charset="0"/>
-              <a:ea typeface="Open Sans"/>
-              <a:cs typeface="Arial" panose="020B0604020202020204" pitchFamily="34" charset="0"/>
-            </a:endParaRPr>
-          </a:p>
-          <a:p>
-            <a:pPr marL="0" indent="0" algn="l">
-              <a:spcBef>
-                <a:spcPct val="0"/>
-              </a:spcBef>
-            </a:pPr>
-            <a:r>
-              <a:rPr sz="1600" b="0" i="0">
-                <a:solidFill>
-                  <a:srgbClr val="212529"/>
-                </a:solidFill>
-                <a:latin typeface="Arial" panose="020B0604020202020204" pitchFamily="34" charset="0"/>
-                <a:ea typeface="Open Sans"/>
-                <a:cs typeface="Arial" panose="020B0604020202020204" pitchFamily="34" charset="0"/>
-              </a:rPr>
-              <a:t>Keras is:</a:t>
-            </a:r>
-            <a:endParaRPr sz="1600" b="0" i="0">
-              <a:solidFill>
-                <a:srgbClr val="212529"/>
-              </a:solidFill>
-              <a:latin typeface="Arial" panose="020B0604020202020204" pitchFamily="34" charset="0"/>
-              <a:ea typeface="Open Sans"/>
-              <a:cs typeface="Arial" panose="020B0604020202020204" pitchFamily="34" charset="0"/>
-            </a:endParaRPr>
-          </a:p>
-          <a:p>
-            <a:pPr marL="0" indent="0" algn="l">
-              <a:spcBef>
-                <a:spcPct val="0"/>
-              </a:spcBef>
-              <a:buFont typeface="Arial" panose="020B0604020202020204"/>
-              <a:buChar char="•"/>
-            </a:pPr>
-            <a:r>
-              <a:rPr sz="1600" b="1" i="0">
-                <a:solidFill>
-                  <a:srgbClr val="212529"/>
-                </a:solidFill>
-                <a:latin typeface="Arial" panose="020B0604020202020204" pitchFamily="34" charset="0"/>
-                <a:ea typeface="Open Sans"/>
-                <a:cs typeface="Arial" panose="020B0604020202020204" pitchFamily="34" charset="0"/>
-              </a:rPr>
-              <a:t>Simple</a:t>
-            </a:r>
-            <a:r>
-              <a:rPr sz="1600" b="0" i="0">
-                <a:solidFill>
-                  <a:srgbClr val="212529"/>
-                </a:solidFill>
-                <a:latin typeface="Arial" panose="020B0604020202020204" pitchFamily="34" charset="0"/>
-                <a:ea typeface="Open Sans"/>
-                <a:cs typeface="Arial" panose="020B0604020202020204" pitchFamily="34" charset="0"/>
-              </a:rPr>
-              <a:t> – but not simplistic. Keras reduces developer cognitive load to free you to focus on the parts of the problem that really matter.</a:t>
-            </a:r>
-            <a:endParaRPr sz="1600" b="0" i="0">
-              <a:solidFill>
-                <a:srgbClr val="212529"/>
-              </a:solidFill>
-              <a:latin typeface="Arial" panose="020B0604020202020204" pitchFamily="34" charset="0"/>
-              <a:ea typeface="Open Sans"/>
-              <a:cs typeface="Arial" panose="020B0604020202020204" pitchFamily="34" charset="0"/>
-            </a:endParaRPr>
-          </a:p>
-          <a:p>
-            <a:pPr marL="0" indent="0" algn="l">
-              <a:spcBef>
-                <a:spcPct val="0"/>
-              </a:spcBef>
-              <a:buFont typeface="Arial" panose="020B0604020202020204"/>
-              <a:buChar char="•"/>
-            </a:pPr>
-            <a:endParaRPr sz="1600" b="1" i="0">
-              <a:solidFill>
-                <a:srgbClr val="212529"/>
-              </a:solidFill>
-              <a:latin typeface="Arial" panose="020B0604020202020204" pitchFamily="34" charset="0"/>
-              <a:ea typeface="Open Sans"/>
-              <a:cs typeface="Arial" panose="020B0604020202020204" pitchFamily="34" charset="0"/>
-            </a:endParaRPr>
-          </a:p>
-          <a:p>
-            <a:pPr marL="0" indent="0" algn="l">
-              <a:spcBef>
-                <a:spcPct val="0"/>
-              </a:spcBef>
-              <a:buFont typeface="Arial" panose="020B0604020202020204"/>
-              <a:buChar char="•"/>
-            </a:pPr>
-            <a:r>
-              <a:rPr sz="1600" b="1" i="0">
-                <a:solidFill>
-                  <a:srgbClr val="212529"/>
-                </a:solidFill>
-                <a:latin typeface="Arial" panose="020B0604020202020204" pitchFamily="34" charset="0"/>
-                <a:ea typeface="Open Sans"/>
-                <a:cs typeface="Arial" panose="020B0604020202020204" pitchFamily="34" charset="0"/>
-              </a:rPr>
-              <a:t>Flexible</a:t>
-            </a:r>
-            <a:r>
-              <a:rPr sz="1600" b="0" i="0">
-                <a:solidFill>
-                  <a:srgbClr val="212529"/>
-                </a:solidFill>
-                <a:latin typeface="Arial" panose="020B0604020202020204" pitchFamily="34" charset="0"/>
-                <a:ea typeface="Open Sans"/>
-                <a:cs typeface="Arial" panose="020B0604020202020204" pitchFamily="34" charset="0"/>
-              </a:rPr>
-              <a:t> – Keras adopts the principle of progressive disclosure of complexity: simple</a:t>
-            </a:r>
-            <a:r>
-              <a:rPr lang="en-US" sz="1600" b="0" i="0">
-                <a:solidFill>
-                  <a:srgbClr val="212529"/>
-                </a:solidFill>
-                <a:latin typeface="Arial" panose="020B0604020202020204" pitchFamily="34" charset="0"/>
-                <a:ea typeface="Open Sans"/>
-                <a:cs typeface="Arial" panose="020B0604020202020204" pitchFamily="34" charset="0"/>
-              </a:rPr>
-              <a:t> </a:t>
-            </a:r>
-            <a:r>
-              <a:rPr sz="1600" b="0" i="0">
-                <a:solidFill>
-                  <a:srgbClr val="212529"/>
-                </a:solidFill>
-                <a:latin typeface="Arial" panose="020B0604020202020204" pitchFamily="34" charset="0"/>
-                <a:ea typeface="Open Sans"/>
-                <a:cs typeface="Arial" panose="020B0604020202020204" pitchFamily="34" charset="0"/>
-              </a:rPr>
-              <a:t>workflows should be quick and easy, while arbitrarily advanced workflows should be possible via a clear path that builds upon what you've already learned.</a:t>
-            </a:r>
-            <a:endParaRPr sz="1600" b="0" i="0">
-              <a:solidFill>
-                <a:srgbClr val="212529"/>
-              </a:solidFill>
-              <a:latin typeface="Arial" panose="020B0604020202020204" pitchFamily="34" charset="0"/>
-              <a:ea typeface="Open Sans"/>
-              <a:cs typeface="Arial" panose="020B0604020202020204" pitchFamily="34" charset="0"/>
-            </a:endParaRPr>
-          </a:p>
-          <a:p>
-            <a:pPr marL="0" indent="0" algn="l">
-              <a:spcBef>
-                <a:spcPct val="0"/>
-              </a:spcBef>
-              <a:buFont typeface="Arial" panose="020B0604020202020204"/>
-              <a:buChar char="•"/>
-            </a:pPr>
-            <a:endParaRPr sz="1600" b="1" i="0">
-              <a:solidFill>
-                <a:srgbClr val="212529"/>
-              </a:solidFill>
-              <a:latin typeface="Arial" panose="020B0604020202020204" pitchFamily="34" charset="0"/>
-              <a:ea typeface="Open Sans"/>
-              <a:cs typeface="Arial" panose="020B0604020202020204" pitchFamily="34" charset="0"/>
-            </a:endParaRPr>
-          </a:p>
-          <a:p>
-            <a:pPr marL="0" indent="0" algn="l">
-              <a:spcBef>
-                <a:spcPct val="0"/>
-              </a:spcBef>
-              <a:buFont typeface="Arial" panose="020B0604020202020204"/>
-              <a:buChar char="•"/>
-            </a:pPr>
-            <a:r>
-              <a:rPr sz="1600" b="1" i="0">
-                <a:solidFill>
-                  <a:srgbClr val="212529"/>
-                </a:solidFill>
-                <a:latin typeface="Arial" panose="020B0604020202020204" pitchFamily="34" charset="0"/>
-                <a:ea typeface="Open Sans"/>
-                <a:cs typeface="Arial" panose="020B0604020202020204" pitchFamily="34" charset="0"/>
-              </a:rPr>
-              <a:t>Powerful</a:t>
-            </a:r>
-            <a:r>
-              <a:rPr sz="1600" b="0" i="0">
-                <a:solidFill>
-                  <a:srgbClr val="212529"/>
-                </a:solidFill>
-                <a:latin typeface="Arial" panose="020B0604020202020204" pitchFamily="34" charset="0"/>
-                <a:ea typeface="Open Sans"/>
-                <a:cs typeface="Arial" panose="020B0604020202020204" pitchFamily="34" charset="0"/>
-              </a:rPr>
-              <a:t> – Keras provides industry-strength performance and scalability: it is used by organizations including NASA, YouTube, or Waymo.</a:t>
-            </a:r>
-            <a:endParaRPr sz="1600" b="0" i="0">
-              <a:solidFill>
-                <a:srgbClr val="212529"/>
-              </a:solidFill>
-              <a:latin typeface="Arial" panose="020B0604020202020204" pitchFamily="34" charset="0"/>
-              <a:ea typeface="Open Sans"/>
-              <a:cs typeface="Arial" panose="020B0604020202020204" pitchFamily="34" charset="0"/>
-            </a:endParaRPr>
-          </a:p>
-        </p:txBody>
-      </p:sp>
-    </p:spTree>
-  </p:cSld>
-  <p:clrMapOvr>
-    <a:masterClrMapping/>
-  </p:clrMapOvr>
-</p:sld>
-</file>
-
-<file path=ppt/slides/slide5.xml><?xml version="1.0" encoding="utf-8"?>
-<p:sld xmlns:a="http://schemas.openxmlformats.org/drawingml/2006/main" xmlns:r="http://schemas.openxmlformats.org/officeDocument/2006/relationships" xmlns:p="http://schemas.openxmlformats.org/presentationml/2006/main">
-  <p:cSld>
-    <p:spTree>
-      <p:nvGrpSpPr>
-        <p:cNvPr id="1" name=""/>
-        <p:cNvGrpSpPr/>
-        <p:nvPr/>
-      </p:nvGrpSpPr>
-      <p:grpSpPr/>
-      <p:sp>
-        <p:nvSpPr>
           <p:cNvPr id="2" name="Text Box 1"/>
           <p:cNvSpPr txBox="1"/>
           <p:nvPr/>
@@ -6064,7 +5602,7 @@
 </p:sld>
 </file>
 
-<file path=ppt/slides/slide6.xml><?xml version="1.0" encoding="utf-8"?>
+<file path=ppt/slides/slide4.xml><?xml version="1.0" encoding="utf-8"?>
 <p:sld xmlns:a="http://schemas.openxmlformats.org/drawingml/2006/main" xmlns:r="http://schemas.openxmlformats.org/officeDocument/2006/relationships" xmlns:p="http://schemas.openxmlformats.org/presentationml/2006/main">
   <p:cSld>
     <p:spTree>
@@ -6288,6 +5826,472 @@
 </p:sld>
 </file>
 
+<file path=ppt/slides/slide5.xml><?xml version="1.0" encoding="utf-8"?>
+<p:sld xmlns:a="http://schemas.openxmlformats.org/drawingml/2006/main" xmlns:r="http://schemas.openxmlformats.org/officeDocument/2006/relationships" xmlns:p="http://schemas.openxmlformats.org/presentationml/2006/main">
+  <p:cSld>
+    <p:spTree>
+      <p:nvGrpSpPr>
+        <p:cNvPr id="1" name=""/>
+        <p:cNvGrpSpPr/>
+        <p:nvPr/>
+      </p:nvGrpSpPr>
+      <p:grpSpPr/>
+      <p:sp>
+        <p:nvSpPr>
+          <p:cNvPr id="2" name="Text Box 1"/>
+          <p:cNvSpPr txBox="1"/>
+          <p:nvPr/>
+        </p:nvSpPr>
+        <p:spPr>
+          <a:xfrm>
+            <a:off x="200660" y="259715"/>
+            <a:ext cx="5706745" cy="2181225"/>
+          </a:xfrm>
+          <a:prstGeom prst="rect">
+            <a:avLst/>
+          </a:prstGeom>
+        </p:spPr>
+        <p:txBody>
+          <a:bodyPr wrap="square">
+            <a:spAutoFit/>
+          </a:bodyPr>
+          <a:p>
+            <a:pPr>
+              <a:spcAft>
+                <a:spcPct val="60000"/>
+              </a:spcAft>
+            </a:pPr>
+            <a:r>
+              <a:rPr sz="2300" b="1"/>
+              <a:t>🔰 4️⃣ Keras Layers &amp; Activation Functions</a:t>
+            </a:r>
+            <a:endParaRPr sz="2300" b="1"/>
+          </a:p>
+          <a:p>
+            <a:r>
+              <a:rPr sz="1600"/>
+              <a:t>Keras provides different layers:</a:t>
+            </a:r>
+            <a:endParaRPr sz="1600"/>
+          </a:p>
+          <a:p>
+            <a:r>
+              <a:rPr sz="1600"/>
+              <a:t>keras.layers.Dense(64, activation='relu')  # Fully connected layer
+keras.layers.Conv2D(32, (3,3), activation='relu')  # CNN layer
+keras.layers.LSTM(50)  # LSTM layer for time series
+</a:t>
+            </a:r>
+            <a:endParaRPr sz="1600"/>
+          </a:p>
+          <a:p>
+            <a:r>
+              <a:rPr sz="1600"/>
+              <a:t>✅ Use Case: Image classification, NLP, and time series prediction.</a:t>
+            </a:r>
+            <a:endParaRPr sz="1600"/>
+          </a:p>
+        </p:txBody>
+      </p:sp>
+      <p:sp>
+        <p:nvSpPr>
+          <p:cNvPr id="3" name="Text Box 2"/>
+          <p:cNvSpPr txBox="1"/>
+          <p:nvPr/>
+        </p:nvSpPr>
+        <p:spPr>
+          <a:xfrm>
+            <a:off x="5774055" y="140970"/>
+            <a:ext cx="6417945" cy="6062345"/>
+          </a:xfrm>
+          <a:prstGeom prst="rect">
+            <a:avLst/>
+          </a:prstGeom>
+        </p:spPr>
+        <p:txBody>
+          <a:bodyPr wrap="square">
+            <a:spAutoFit/>
+          </a:bodyPr>
+          <a:p>
+            <a:pPr>
+              <a:spcAft>
+                <a:spcPct val="60000"/>
+              </a:spcAft>
+            </a:pPr>
+            <a:r>
+              <a:rPr sz="2300" b="1"/>
+              <a:t>🔰 5️⃣ Model Architectures</a:t>
+            </a:r>
+            <a:endParaRPr sz="2300" b="1"/>
+          </a:p>
+          <a:p>
+            <a:pPr>
+              <a:spcAft>
+                <a:spcPct val="60000"/>
+              </a:spcAft>
+            </a:pPr>
+            <a:r>
+              <a:rPr sz="2200" b="1"/>
+              <a:t>🔹 Sequential API (Easy to Use)</a:t>
+            </a:r>
+            <a:endParaRPr sz="2200" b="1"/>
+          </a:p>
+          <a:p>
+            <a:r>
+              <a:rPr sz="1600"/>
+              <a:t>python</a:t>
+            </a:r>
+            <a:endParaRPr sz="1600"/>
+          </a:p>
+          <a:p>
+            <a:r>
+              <a:rPr sz="1600"/>
+              <a:t>CopyEdit</a:t>
+            </a:r>
+            <a:endParaRPr sz="1600"/>
+          </a:p>
+          <a:p>
+            <a:r>
+              <a:rPr sz="1600"/>
+              <a:t>model = keras.Sequential([
+    keras.layers.Dense(64, activation='relu', input_shape=(10,)),
+    keras.layers.Dense(32, activation='relu'),
+    keras.layers.Dense(1, activation='sigmoid')
+])
+</a:t>
+            </a:r>
+            <a:endParaRPr sz="1600"/>
+          </a:p>
+          <a:p>
+            <a:pPr>
+              <a:spcAft>
+                <a:spcPct val="60000"/>
+              </a:spcAft>
+            </a:pPr>
+            <a:r>
+              <a:rPr sz="2200" b="1"/>
+              <a:t>🔹 Functional API (For Complex Models)</a:t>
+            </a:r>
+            <a:endParaRPr sz="2200" b="1"/>
+          </a:p>
+          <a:p>
+            <a:r>
+              <a:rPr sz="1600"/>
+              <a:t>python</a:t>
+            </a:r>
+            <a:endParaRPr sz="1600"/>
+          </a:p>
+          <a:p>
+            <a:r>
+              <a:rPr sz="1600"/>
+              <a:t>CopyEdit</a:t>
+            </a:r>
+            <a:endParaRPr sz="1600"/>
+          </a:p>
+          <a:p>
+            <a:r>
+              <a:rPr sz="1600"/>
+              <a:t>inputs = keras.Input(shape=(10,))
+x = keras.layers.Dense(64, activation='relu')(inputs)
+x = keras.layers.Dense(32, activation='relu')(x)
+outputs = keras.layers.Dense(1, activation='sigmoid')(x)
+model = keras.Model(inputs, outputs)
+</a:t>
+            </a:r>
+            <a:endParaRPr sz="1600"/>
+          </a:p>
+          <a:p>
+            <a:r>
+              <a:rPr sz="1600"/>
+              <a:t>✅ Use Case: Functional API is used for multi-input &amp; multi-output models.</a:t>
+            </a:r>
+            <a:endParaRPr sz="1600"/>
+          </a:p>
+        </p:txBody>
+      </p:sp>
+    </p:spTree>
+  </p:cSld>
+  <p:clrMapOvr>
+    <a:masterClrMapping/>
+  </p:clrMapOvr>
+</p:sld>
+</file>
+
+<file path=ppt/slides/slide6.xml><?xml version="1.0" encoding="utf-8"?>
+<p:sld xmlns:a="http://schemas.openxmlformats.org/drawingml/2006/main" xmlns:r="http://schemas.openxmlformats.org/officeDocument/2006/relationships" xmlns:p="http://schemas.openxmlformats.org/presentationml/2006/main">
+  <p:cSld>
+    <p:spTree>
+      <p:nvGrpSpPr>
+        <p:cNvPr id="1" name=""/>
+        <p:cNvGrpSpPr/>
+        <p:nvPr/>
+      </p:nvGrpSpPr>
+      <p:grpSpPr/>
+      <p:sp>
+        <p:nvSpPr>
+          <p:cNvPr id="2" name="Text Box 1"/>
+          <p:cNvSpPr txBox="1"/>
+          <p:nvPr/>
+        </p:nvSpPr>
+        <p:spPr>
+          <a:xfrm>
+            <a:off x="440690" y="154940"/>
+            <a:ext cx="5080000" cy="3274060"/>
+          </a:xfrm>
+          <a:prstGeom prst="rect">
+            <a:avLst/>
+          </a:prstGeom>
+        </p:spPr>
+        <p:txBody>
+          <a:bodyPr wrap="square">
+            <a:spAutoFit/>
+          </a:bodyPr>
+          <a:p>
+            <a:pPr>
+              <a:spcAft>
+                <a:spcPct val="60000"/>
+              </a:spcAft>
+            </a:pPr>
+            <a:r>
+              <a:rPr sz="2300" b="1"/>
+              <a:t>🔰 6️⃣ Compiling, Training &amp; Evaluating Models</a:t>
+            </a:r>
+            <a:endParaRPr sz="2300" b="1"/>
+          </a:p>
+          <a:p>
+            <a:r>
+              <a:rPr sz="1600"/>
+              <a:t>python</a:t>
+            </a:r>
+            <a:endParaRPr sz="1600"/>
+          </a:p>
+          <a:p>
+            <a:r>
+              <a:rPr sz="1600"/>
+              <a:t>CopyEdit</a:t>
+            </a:r>
+            <a:endParaRPr sz="1600"/>
+          </a:p>
+          <a:p>
+            <a:r>
+              <a:rPr sz="1600"/>
+              <a:t>model.compile(optimizer='adam', loss='binary_crossentropy', metrics=['accuracy'])
+model.fit(X_train, y_train, epochs=10, batch_size=32, validation_split=0.2)
+model.evaluate(X_test, y_test)
+</a:t>
+            </a:r>
+            <a:endParaRPr sz="1600"/>
+          </a:p>
+          <a:p>
+            <a:r>
+              <a:rPr sz="1600"/>
+              <a:t>✅ Use Case: Fine-tuning deep learning models.</a:t>
+            </a:r>
+            <a:endParaRPr sz="1600"/>
+          </a:p>
+        </p:txBody>
+      </p:sp>
+      <p:sp>
+        <p:nvSpPr>
+          <p:cNvPr id="3" name="Text Box 2"/>
+          <p:cNvSpPr txBox="1"/>
+          <p:nvPr/>
+        </p:nvSpPr>
+        <p:spPr>
+          <a:xfrm>
+            <a:off x="440690" y="3429000"/>
+            <a:ext cx="5748655" cy="3412490"/>
+          </a:xfrm>
+          <a:prstGeom prst="rect">
+            <a:avLst/>
+          </a:prstGeom>
+        </p:spPr>
+        <p:txBody>
+          <a:bodyPr wrap="square">
+            <a:spAutoFit/>
+          </a:bodyPr>
+          <a:p>
+            <a:pPr>
+              <a:spcAft>
+                <a:spcPct val="60000"/>
+              </a:spcAft>
+            </a:pPr>
+            <a:r>
+              <a:rPr sz="2300" b="1"/>
+              <a:t>🔰 7️⃣ Data Preprocessing &amp; Normalization</a:t>
+            </a:r>
+            <a:endParaRPr sz="2300" b="1"/>
+          </a:p>
+          <a:p>
+            <a:r>
+              <a:rPr sz="1600"/>
+              <a:t>python</a:t>
+            </a:r>
+            <a:endParaRPr sz="1600"/>
+          </a:p>
+          <a:p>
+            <a:r>
+              <a:rPr sz="1600"/>
+              <a:t>CopyEdit</a:t>
+            </a:r>
+            <a:endParaRPr sz="1600"/>
+          </a:p>
+          <a:p>
+            <a:r>
+              <a:rPr sz="1600"/>
+              <a:t>from tensorflow.keras.preprocessing.image import ImageDataGenerator
+datagen = ImageDataGenerator(rescale=1./255, rotation_range=20, width_shift_range=0.2)
+train_generator = datagen.flow_from_directory("dataset/train", target_size=(150, 150), batch_size=32, class_mode='binary')
+</a:t>
+            </a:r>
+            <a:endParaRPr sz="1600"/>
+          </a:p>
+          <a:p>
+            <a:r>
+              <a:rPr sz="1600"/>
+              <a:t>✅ Use Case:Image Augmentation for better model performance.</a:t>
+            </a:r>
+            <a:endParaRPr sz="1600"/>
+          </a:p>
+        </p:txBody>
+      </p:sp>
+      <p:sp>
+        <p:nvSpPr>
+          <p:cNvPr id="4" name="Text Box 3"/>
+          <p:cNvSpPr txBox="1"/>
+          <p:nvPr/>
+        </p:nvSpPr>
+        <p:spPr>
+          <a:xfrm>
+            <a:off x="6400165" y="154623"/>
+            <a:ext cx="5080000" cy="2673985"/>
+          </a:xfrm>
+          <a:prstGeom prst="rect">
+            <a:avLst/>
+          </a:prstGeom>
+        </p:spPr>
+        <p:txBody>
+          <a:bodyPr>
+            <a:spAutoFit/>
+          </a:bodyPr>
+          <a:p>
+            <a:pPr>
+              <a:spcAft>
+                <a:spcPct val="60000"/>
+              </a:spcAft>
+            </a:pPr>
+            <a:r>
+              <a:rPr sz="2300" b="1"/>
+              <a:t> 8️⃣ Handling CSV &amp; Text Data</a:t>
+            </a:r>
+            <a:endParaRPr sz="2300" b="1"/>
+          </a:p>
+          <a:p>
+            <a:r>
+              <a:rPr sz="1600"/>
+              <a:t>python</a:t>
+            </a:r>
+            <a:endParaRPr sz="1600"/>
+          </a:p>
+          <a:p>
+            <a:r>
+              <a:rPr sz="1600"/>
+              <a:t>CopyEdit</a:t>
+            </a:r>
+            <a:endParaRPr sz="1600"/>
+          </a:p>
+          <a:p>
+            <a:r>
+              <a:rPr sz="1600"/>
+              <a:t>import pandas as pd
+df = pd.read_csv("data.csv")
+X = df.drop("target", axis=1).values
+y = df["target"].values
+</a:t>
+            </a:r>
+            <a:endParaRPr sz="1600"/>
+          </a:p>
+          <a:p>
+            <a:r>
+              <a:rPr sz="1600"/>
+              <a:t>✅ Use Case:Loading CSV for structured data models.</a:t>
+            </a:r>
+            <a:endParaRPr sz="1600"/>
+          </a:p>
+        </p:txBody>
+      </p:sp>
+      <p:sp>
+        <p:nvSpPr>
+          <p:cNvPr id="5" name="Text Box 4"/>
+          <p:cNvSpPr txBox="1"/>
+          <p:nvPr/>
+        </p:nvSpPr>
+        <p:spPr>
+          <a:xfrm>
+            <a:off x="6472555" y="3079432"/>
+            <a:ext cx="5080000" cy="3166745"/>
+          </a:xfrm>
+          <a:prstGeom prst="rect">
+            <a:avLst/>
+          </a:prstGeom>
+        </p:spPr>
+        <p:txBody>
+          <a:bodyPr>
+            <a:spAutoFit/>
+          </a:bodyPr>
+          <a:p>
+            <a:pPr>
+              <a:spcAft>
+                <a:spcPct val="60000"/>
+              </a:spcAft>
+            </a:pPr>
+            <a:r>
+              <a:rPr sz="2300" b="1"/>
+              <a:t>🔰 🔟 Custom Loss Functions &amp; Metrics</a:t>
+            </a:r>
+            <a:endParaRPr sz="2300" b="1"/>
+          </a:p>
+          <a:p>
+            <a:r>
+              <a:rPr sz="1600"/>
+              <a:t>python</a:t>
+            </a:r>
+            <a:endParaRPr sz="1600"/>
+          </a:p>
+          <a:p>
+            <a:r>
+              <a:rPr sz="1600"/>
+              <a:t>CopyEdit</a:t>
+            </a:r>
+            <a:endParaRPr sz="1600"/>
+          </a:p>
+          <a:p>
+            <a:r>
+              <a:rPr sz="1600"/>
+              <a:t>defcustom_loss(y_true, y_pred):
+    return tf.reduce_mean(tf.square(y_true - y_pred))  # Mean Squared Error
+model.compile(optimizer='adam', loss=custom_loss, metrics=['accuracy'])
+</a:t>
+            </a:r>
+            <a:endParaRPr sz="1600"/>
+          </a:p>
+          <a:p>
+            <a:r>
+              <a:rPr sz="1600"/>
+              <a:t>✅ Use Case: Custom loss for specific applications.</a:t>
+            </a:r>
+            <a:endParaRPr sz="1600"/>
+          </a:p>
+        </p:txBody>
+      </p:sp>
+    </p:spTree>
+  </p:cSld>
+  <p:clrMapOvr>
+    <a:masterClrMapping/>
+  </p:clrMapOvr>
+</p:sld>
+</file>
+
 <file path=ppt/slides/slide7.xml><?xml version="1.0" encoding="utf-8"?>
 <p:sld xmlns:a="http://schemas.openxmlformats.org/drawingml/2006/main" xmlns:r="http://schemas.openxmlformats.org/officeDocument/2006/relationships" xmlns:p="http://schemas.openxmlformats.org/presentationml/2006/main">
   <p:cSld>
@@ -6306,8 +6310,8 @@
         </p:nvSpPr>
         <p:spPr>
           <a:xfrm>
-            <a:off x="200660" y="259715"/>
-            <a:ext cx="5706745" cy="2181225"/>
+            <a:off x="378460" y="262255"/>
+            <a:ext cx="7160895" cy="2920365"/>
           </a:xfrm>
           <a:prstGeom prst="rect">
             <a:avLst/>
@@ -6325,23 +6329,32 @@
             </a:pPr>
             <a:r>
               <a:rPr sz="2300" b="1"/>
-              <a:t>🔰 4️⃣ Keras Layers &amp; Activation Functions</a:t>
+              <a:t>🔰 11 Callbacks (Early Stopping &amp; Model Checkpoints)</a:t>
             </a:r>
             <a:endParaRPr sz="2300" b="1"/>
           </a:p>
           <a:p>
             <a:r>
               <a:rPr sz="1600"/>
-              <a:t>Keras provides different layers:</a:t>
+              <a:t>python</a:t>
             </a:r>
             <a:endParaRPr sz="1600"/>
           </a:p>
           <a:p>
             <a:r>
               <a:rPr sz="1600"/>
-              <a:t>keras.layers.Dense(64, activation='relu')  # Fully connected layer
-keras.layers.Conv2D(32, (3,3), activation='relu')  # CNN layer
-keras.layers.LSTM(50)  # LSTM layer for time series
+              <a:t>CopyEdit</a:t>
+            </a:r>
+            <a:endParaRPr sz="1600"/>
+          </a:p>
+          <a:p>
+            <a:r>
+              <a:rPr sz="1600"/>
+              <a:t>callbacks = [
+    keras.callbacks.EarlyStopping(patience=3, monitor='val_loss'),
+    keras.callbacks.ModelCheckpoint("best_model.h5", save_best_only=True)
+]
+model.fit(X_train, y_train, epochs=50, validation_split=0.2, callbacks=callbacks)
 </a:t>
             </a:r>
             <a:endParaRPr sz="1600"/>
@@ -6349,7 +6362,7 @@
           <a:p>
             <a:r>
               <a:rPr sz="1600"/>
-              <a:t>✅ Use Case: Image classification, NLP, and time series prediction.</a:t>
+              <a:t>✅ Use Case: Save the best model automatically.</a:t>
             </a:r>
             <a:endParaRPr sz="1600"/>
           </a:p>
@@ -6363,8 +6376,8 @@
         </p:nvSpPr>
         <p:spPr>
           <a:xfrm>
-            <a:off x="5774055" y="140970"/>
-            <a:ext cx="6417945" cy="6062345"/>
+            <a:off x="378460" y="3182620"/>
+            <a:ext cx="6250305" cy="3658870"/>
           </a:xfrm>
           <a:prstGeom prst="rect">
             <a:avLst/>
@@ -6382,10 +6395,53 @@
             </a:pPr>
             <a:r>
               <a:rPr sz="2300" b="1"/>
-              <a:t>🔰 5️⃣ Model Architectures</a:t>
+              <a:t>🔰 12 Transfer Learning (Using Pretrained Models)</a:t>
             </a:r>
             <a:endParaRPr sz="2300" b="1"/>
           </a:p>
+          <a:p>
+            <a:r>
+              <a:rPr sz="1600"/>
+              <a:t>base_model = keras.applications.VGG16(weights='imagenet', include_top=False, input_shape=(224,224,3))
+for layer in base_model.layers:
+    layer.trainable = False
+model = keras.Sequential([
+    base_model,
+    keras.layers.Flatten(),
+    keras.layers.Dense(256, activation='relu'),
+    keras.layers.Dense(1, activation='sigmoid')
+])</a:t>
+            </a:r>
+            <a:endParaRPr sz="1600"/>
+          </a:p>
+          <a:p>
+            <a:r>
+              <a:rPr sz="1600"/>
+              <a:t>✅ Use Case:Fine-tuning a powerful model like VGG16 for new tasks.</a:t>
+            </a:r>
+            <a:endParaRPr sz="1600"/>
+          </a:p>
+        </p:txBody>
+      </p:sp>
+      <p:sp>
+        <p:nvSpPr>
+          <p:cNvPr id="4" name="Text Box 3"/>
+          <p:cNvSpPr txBox="1"/>
+          <p:nvPr/>
+        </p:nvSpPr>
+        <p:spPr>
+          <a:xfrm>
+            <a:off x="6953250" y="261938"/>
+            <a:ext cx="5080000" cy="3766820"/>
+          </a:xfrm>
+          <a:prstGeom prst="rect">
+            <a:avLst/>
+          </a:prstGeom>
+        </p:spPr>
+        <p:txBody>
+          <a:bodyPr>
+            <a:spAutoFit/>
+          </a:bodyPr>
           <a:p>
             <a:pPr>
               <a:spcAft>
@@ -6393,79 +6449,38 @@
               </a:spcAft>
             </a:pPr>
             <a:r>
-              <a:rPr sz="2200" b="1"/>
-              <a:t>🔹 Sequential API (Easy to Use)</a:t>
-            </a:r>
-            <a:endParaRPr sz="2200" b="1"/>
-          </a:p>
-          <a:p>
-            <a:r>
-              <a:rPr sz="1600"/>
-              <a:t>python</a:t>
-            </a:r>
-            <a:endParaRPr sz="1600"/>
-          </a:p>
-          <a:p>
-            <a:r>
-              <a:rPr sz="1600"/>
-              <a:t>CopyEdit</a:t>
-            </a:r>
-            <a:endParaRPr sz="1600"/>
+              <a:rPr sz="2300" b="1"/>
+              <a:t>🔰 1</a:t>
+            </a:r>
+            <a:r>
+              <a:rPr lang="en-US" sz="2300" b="1"/>
+              <a:t>5</a:t>
+            </a:r>
+            <a:r>
+              <a:rPr sz="2300" b="1"/>
+              <a:t> Image Classification Example (CNN)</a:t>
+            </a:r>
+            <a:endParaRPr sz="2300" b="1"/>
           </a:p>
           <a:p>
             <a:r>
               <a:rPr sz="1600"/>
               <a:t>model = keras.Sequential([
-    keras.layers.Dense(64, activation='relu', input_shape=(10,)),
-    keras.layers.Dense(32, activation='relu'),
+    keras.layers.Conv2D(32, (3,3), activation='relu', input_shape=(64, 64, 3)),
+    keras.layers.MaxPooling2D(2,2),
+    keras.layers.Conv2D(64, (3,3), activation='relu'),
+    keras.layers.MaxPooling2D(2,2),
+    keras.layers.Flatten(),
+    keras.layers.Dense(128, activation='relu'),
     keras.layers.Dense(1, activation='sigmoid')
-])
-</a:t>
+])</a:t>
             </a:r>
             <a:endParaRPr sz="1600"/>
           </a:p>
           <a:p>
-            <a:pPr>
-              <a:spcAft>
-                <a:spcPct val="60000"/>
-              </a:spcAft>
-            </a:pPr>
-            <a:r>
-              <a:rPr sz="2200" b="1"/>
-              <a:t>🔹 Functional API (For Complex Models)</a:t>
-            </a:r>
-            <a:endParaRPr sz="2200" b="1"/>
-          </a:p>
-          <a:p>
             <a:r>
               <a:rPr sz="1600"/>
-              <a:t>python</a:t>
-            </a:r>
-            <a:endParaRPr sz="1600"/>
-          </a:p>
-          <a:p>
-            <a:r>
-              <a:rPr sz="1600"/>
-              <a:t>CopyEdit</a:t>
-            </a:r>
-            <a:endParaRPr sz="1600"/>
-          </a:p>
-          <a:p>
-            <a:r>
-              <a:rPr sz="1600"/>
-              <a:t>inputs = keras.Input(shape=(10,))
-x = keras.layers.Dense(64, activation='relu')(inputs)
-x = keras.layers.Dense(32, activation='relu')(x)
-outputs = keras.layers.Dense(1, activation='sigmoid')(x)
-model = keras.Model(inputs, outputs)
-</a:t>
-            </a:r>
-            <a:endParaRPr sz="1600"/>
-          </a:p>
-          <a:p>
-            <a:r>
-              <a:rPr sz="1600"/>
-              <a:t>✅ Use Case: Functional API is used for multi-input &amp; multi-output models.</a:t>
+              <a:t>✅ Use Case:Dog vs. Cat Classification.</a:t>
             </a:r>
             <a:endParaRPr sz="1600"/>
           </a:p>
@@ -6491,14 +6506,14 @@
       <p:grpSpPr/>
       <p:sp>
         <p:nvSpPr>
-          <p:cNvPr id="2" name="Text Box 1"/>
+          <p:cNvPr id="5" name="Text Box 4"/>
           <p:cNvSpPr txBox="1"/>
           <p:nvPr/>
         </p:nvSpPr>
         <p:spPr>
           <a:xfrm>
-            <a:off x="440690" y="154940"/>
-            <a:ext cx="5080000" cy="3274060"/>
+            <a:off x="398780" y="189865"/>
+            <a:ext cx="5466715" cy="4890135"/>
           </a:xfrm>
           <a:prstGeom prst="rect">
             <a:avLst/>
@@ -6516,7 +6531,7 @@
             </a:pPr>
             <a:r>
               <a:rPr sz="2300" b="1"/>
-              <a:t>🔰 6️⃣ Compiling, Training &amp; Evaluating Models</a:t>
+              <a:t>🔰 19 Deploying Keras Models with Flask</a:t>
             </a:r>
             <a:endParaRPr sz="2300" b="1"/>
           </a:p>
@@ -6537,9 +6552,16 @@
           <a:p>
             <a:r>
               <a:rPr sz="1600"/>
-              <a:t>model.compile(optimizer='adam', loss='binary_crossentropy', metrics=['accuracy'])
-model.fit(X_train, y_train, epochs=10, batch_size=32, validation_split=0.2)
-model.evaluate(X_test, y_test)
+              <a:t>from flask import Flask, request, jsonify
+import tensorflow as tf
+app = Flask(__name__)
+model = tf.keras.models.load_model("best_model.h5")
+@app.route("/predict", methods=["POST"])
+defpredict():
+    data = request.json["input"]
+    prediction = model.predict([data])
+    return jsonify({"prediction": prediction.tolist()})
+app.run()
 </a:t>
             </a:r>
             <a:endParaRPr sz="1600"/>
@@ -6547,200 +6569,7 @@
           <a:p>
             <a:r>
               <a:rPr sz="1600"/>
-              <a:t>✅ Use Case: Fine-tuning deep learning models.</a:t>
-            </a:r>
-            <a:endParaRPr sz="1600"/>
-          </a:p>
-        </p:txBody>
-      </p:sp>
-      <p:sp>
-        <p:nvSpPr>
-          <p:cNvPr id="3" name="Text Box 2"/>
-          <p:cNvSpPr txBox="1"/>
-          <p:nvPr/>
-        </p:nvSpPr>
-        <p:spPr>
-          <a:xfrm>
-            <a:off x="440690" y="3429000"/>
-            <a:ext cx="5748655" cy="3412490"/>
-          </a:xfrm>
-          <a:prstGeom prst="rect">
-            <a:avLst/>
-          </a:prstGeom>
-        </p:spPr>
-        <p:txBody>
-          <a:bodyPr wrap="square">
-            <a:spAutoFit/>
-          </a:bodyPr>
-          <a:p>
-            <a:pPr>
-              <a:spcAft>
-                <a:spcPct val="60000"/>
-              </a:spcAft>
-            </a:pPr>
-            <a:r>
-              <a:rPr sz="2300" b="1"/>
-              <a:t>🔰 7️⃣ Data Preprocessing &amp; Normalization</a:t>
-            </a:r>
-            <a:endParaRPr sz="2300" b="1"/>
-          </a:p>
-          <a:p>
-            <a:r>
-              <a:rPr sz="1600"/>
-              <a:t>python</a:t>
-            </a:r>
-            <a:endParaRPr sz="1600"/>
-          </a:p>
-          <a:p>
-            <a:r>
-              <a:rPr sz="1600"/>
-              <a:t>CopyEdit</a:t>
-            </a:r>
-            <a:endParaRPr sz="1600"/>
-          </a:p>
-          <a:p>
-            <a:r>
-              <a:rPr sz="1600"/>
-              <a:t>from tensorflow.keras.preprocessing.image import ImageDataGenerator
-datagen = ImageDataGenerator(rescale=1./255, rotation_range=20, width_shift_range=0.2)
-train_generator = datagen.flow_from_directory("dataset/train", target_size=(150, 150), batch_size=32, class_mode='binary')
-</a:t>
-            </a:r>
-            <a:endParaRPr sz="1600"/>
-          </a:p>
-          <a:p>
-            <a:r>
-              <a:rPr sz="1600"/>
-              <a:t>✅ Use Case:Image Augmentation for better model performance.</a:t>
-            </a:r>
-            <a:endParaRPr sz="1600"/>
-          </a:p>
-        </p:txBody>
-      </p:sp>
-      <p:sp>
-        <p:nvSpPr>
-          <p:cNvPr id="4" name="Text Box 3"/>
-          <p:cNvSpPr txBox="1"/>
-          <p:nvPr/>
-        </p:nvSpPr>
-        <p:spPr>
-          <a:xfrm>
-            <a:off x="6400165" y="154623"/>
-            <a:ext cx="5080000" cy="2673985"/>
-          </a:xfrm>
-          <a:prstGeom prst="rect">
-            <a:avLst/>
-          </a:prstGeom>
-        </p:spPr>
-        <p:txBody>
-          <a:bodyPr>
-            <a:spAutoFit/>
-          </a:bodyPr>
-          <a:p>
-            <a:pPr>
-              <a:spcAft>
-                <a:spcPct val="60000"/>
-              </a:spcAft>
-            </a:pPr>
-            <a:r>
-              <a:rPr sz="2300" b="1"/>
-              <a:t> 8️⃣ Handling CSV &amp; Text Data</a:t>
-            </a:r>
-            <a:endParaRPr sz="2300" b="1"/>
-          </a:p>
-          <a:p>
-            <a:r>
-              <a:rPr sz="1600"/>
-              <a:t>python</a:t>
-            </a:r>
-            <a:endParaRPr sz="1600"/>
-          </a:p>
-          <a:p>
-            <a:r>
-              <a:rPr sz="1600"/>
-              <a:t>CopyEdit</a:t>
-            </a:r>
-            <a:endParaRPr sz="1600"/>
-          </a:p>
-          <a:p>
-            <a:r>
-              <a:rPr sz="1600"/>
-              <a:t>import pandas as pd
-df = pd.read_csv("data.csv")
-X = df.drop("target", axis=1).values
-y = df["target"].values
-</a:t>
-            </a:r>
-            <a:endParaRPr sz="1600"/>
-          </a:p>
-          <a:p>
-            <a:r>
-              <a:rPr sz="1600"/>
-              <a:t>✅ Use Case:Loading CSV for structured data models.</a:t>
-            </a:r>
-            <a:endParaRPr sz="1600"/>
-          </a:p>
-        </p:txBody>
-      </p:sp>
-      <p:sp>
-        <p:nvSpPr>
-          <p:cNvPr id="5" name="Text Box 4"/>
-          <p:cNvSpPr txBox="1"/>
-          <p:nvPr/>
-        </p:nvSpPr>
-        <p:spPr>
-          <a:xfrm>
-            <a:off x="6472555" y="3079432"/>
-            <a:ext cx="5080000" cy="3166745"/>
-          </a:xfrm>
-          <a:prstGeom prst="rect">
-            <a:avLst/>
-          </a:prstGeom>
-        </p:spPr>
-        <p:txBody>
-          <a:bodyPr>
-            <a:spAutoFit/>
-          </a:bodyPr>
-          <a:p>
-            <a:pPr>
-              <a:spcAft>
-                <a:spcPct val="60000"/>
-              </a:spcAft>
-            </a:pPr>
-            <a:r>
-              <a:rPr sz="2300" b="1"/>
-              <a:t>🔰 🔟 Custom Loss Functions &amp; Metrics</a:t>
-            </a:r>
-            <a:endParaRPr sz="2300" b="1"/>
-          </a:p>
-          <a:p>
-            <a:r>
-              <a:rPr sz="1600"/>
-              <a:t>python</a:t>
-            </a:r>
-            <a:endParaRPr sz="1600"/>
-          </a:p>
-          <a:p>
-            <a:r>
-              <a:rPr sz="1600"/>
-              <a:t>CopyEdit</a:t>
-            </a:r>
-            <a:endParaRPr sz="1600"/>
-          </a:p>
-          <a:p>
-            <a:r>
-              <a:rPr sz="1600"/>
-              <a:t>defcustom_loss(y_true, y_pred):
-    return tf.reduce_mean(tf.square(y_true - y_pred))  # Mean Squared Error
-model.compile(optimizer='adam', loss=custom_loss, metrics=['accuracy'])
-</a:t>
-            </a:r>
-            <a:endParaRPr sz="1600"/>
-          </a:p>
-          <a:p>
-            <a:r>
-              <a:rPr sz="1600"/>
-              <a:t>✅ Use Case: Custom loss for specific applications.</a:t>
+              <a:t>✅ Use Case: Deploy model as an API using Flask.</a:t>
             </a:r>
             <a:endParaRPr sz="1600"/>
           </a:p>
@@ -6772,179 +6601,48 @@
         </p:nvSpPr>
         <p:spPr>
           <a:xfrm>
-            <a:off x="378460" y="262255"/>
-            <a:ext cx="7160895" cy="2920365"/>
+            <a:off x="1858645" y="709930"/>
+            <a:ext cx="5415915" cy="835660"/>
           </a:xfrm>
           <a:prstGeom prst="rect">
             <a:avLst/>
           </a:prstGeom>
+          <a:noFill/>
         </p:spPr>
         <p:txBody>
-          <a:bodyPr wrap="square">
-            <a:spAutoFit/>
+          <a:bodyPr wrap="square" rtlCol="0" anchor="t">
+            <a:noAutofit/>
           </a:bodyPr>
           <a:p>
-            <a:pPr>
-              <a:spcAft>
-                <a:spcPct val="60000"/>
-              </a:spcAft>
-            </a:pPr>
-            <a:r>
-              <a:rPr sz="2300" b="1"/>
-              <a:t>🔰 11 Callbacks (Early Stopping &amp; Model Checkpoints)</a:t>
-            </a:r>
-            <a:endParaRPr sz="2300" b="1"/>
-          </a:p>
-          <a:p>
-            <a:r>
-              <a:rPr sz="1600"/>
-              <a:t>python</a:t>
-            </a:r>
-            <a:endParaRPr sz="1600"/>
-          </a:p>
-          <a:p>
-            <a:r>
-              <a:rPr sz="1600"/>
-              <a:t>CopyEdit</a:t>
-            </a:r>
-            <a:endParaRPr sz="1600"/>
-          </a:p>
-          <a:p>
-            <a:r>
-              <a:rPr sz="1600"/>
-              <a:t>callbacks = [
-    keras.callbacks.EarlyStopping(patience=3, monitor='val_loss'),
-    keras.callbacks.ModelCheckpoint("best_model.h5", save_best_only=True)
-]
-model.fit(X_train, y_train, epochs=50, validation_split=0.2, callbacks=callbacks)
-</a:t>
-            </a:r>
-            <a:endParaRPr sz="1600"/>
-          </a:p>
-          <a:p>
-            <a:r>
-              <a:rPr sz="1600"/>
-              <a:t>✅ Use Case: Save the best model automatically.</a:t>
-            </a:r>
-            <a:endParaRPr sz="1600"/>
-          </a:p>
-        </p:txBody>
-      </p:sp>
-      <p:sp>
-        <p:nvSpPr>
-          <p:cNvPr id="3" name="Text Box 2"/>
-          <p:cNvSpPr txBox="1"/>
-          <p:nvPr/>
-        </p:nvSpPr>
-        <p:spPr>
-          <a:xfrm>
-            <a:off x="378460" y="3182620"/>
-            <a:ext cx="6250305" cy="3658870"/>
-          </a:xfrm>
-          <a:prstGeom prst="rect">
-            <a:avLst/>
-          </a:prstGeom>
-        </p:spPr>
-        <p:txBody>
-          <a:bodyPr wrap="square">
-            <a:spAutoFit/>
-          </a:bodyPr>
-          <a:p>
-            <a:pPr>
-              <a:spcAft>
-                <a:spcPct val="60000"/>
-              </a:spcAft>
-            </a:pPr>
-            <a:r>
-              <a:rPr sz="2300" b="1"/>
-              <a:t>🔰 12 Transfer Learning (Using Pretrained Models)</a:t>
-            </a:r>
-            <a:endParaRPr sz="2300" b="1"/>
-          </a:p>
-          <a:p>
-            <a:r>
-              <a:rPr sz="1600"/>
-              <a:t>base_model = keras.applications.VGG16(weights='imagenet', include_top=False, input_shape=(224,224,3))
-for layer in base_model.layers:
-    layer.trainable = False
-model = keras.Sequential([
-    base_model,
-    keras.layers.Flatten(),
-    keras.layers.Dense(256, activation='relu'),
-    keras.layers.Dense(1, activation='sigmoid')
-])</a:t>
-            </a:r>
-            <a:endParaRPr sz="1600"/>
-          </a:p>
-          <a:p>
-            <a:r>
-              <a:rPr sz="1600"/>
-              <a:t>✅ Use Case:Fine-tuning a powerful model like VGG16 for new tasks.</a:t>
-            </a:r>
-            <a:endParaRPr sz="1600"/>
-          </a:p>
-        </p:txBody>
-      </p:sp>
-      <p:sp>
-        <p:nvSpPr>
-          <p:cNvPr id="4" name="Text Box 3"/>
-          <p:cNvSpPr txBox="1"/>
-          <p:nvPr/>
-        </p:nvSpPr>
-        <p:spPr>
-          <a:xfrm>
-            <a:off x="6953250" y="261938"/>
-            <a:ext cx="5080000" cy="3766820"/>
-          </a:xfrm>
-          <a:prstGeom prst="rect">
-            <a:avLst/>
-          </a:prstGeom>
-        </p:spPr>
-        <p:txBody>
-          <a:bodyPr>
-            <a:spAutoFit/>
-          </a:bodyPr>
-          <a:p>
-            <a:pPr>
-              <a:spcAft>
-                <a:spcPct val="60000"/>
-              </a:spcAft>
-            </a:pPr>
-            <a:r>
-              <a:rPr sz="2300" b="1"/>
-              <a:t>🔰 1</a:t>
-            </a:r>
-            <a:r>
-              <a:rPr lang="en-US" sz="2300" b="1"/>
-              <a:t>5</a:t>
-            </a:r>
-            <a:r>
-              <a:rPr sz="2300" b="1"/>
-              <a:t> Image Classification Example (CNN)</a:t>
-            </a:r>
-            <a:endParaRPr sz="2300" b="1"/>
-          </a:p>
-          <a:p>
-            <a:r>
-              <a:rPr sz="1600"/>
-              <a:t>model = keras.Sequential([
-    keras.layers.Conv2D(32, (3,3), activation='relu', input_shape=(64, 64, 3)),
-    keras.layers.MaxPooling2D(2,2),
-    keras.layers.Conv2D(64, (3,3), activation='relu'),
-    keras.layers.MaxPooling2D(2,2),
-    keras.layers.Flatten(),
-    keras.layers.Dense(128, activation='relu'),
-    keras.layers.Dense(1, activation='sigmoid')
-])</a:t>
-            </a:r>
-            <a:endParaRPr sz="1600"/>
-          </a:p>
-          <a:p>
-            <a:r>
-              <a:rPr sz="1600"/>
-              <a:t>✅ Use Case:Dog vs. Cat Classification.</a:t>
-            </a:r>
-            <a:endParaRPr sz="1600"/>
+            <a:r>
+              <a:rPr lang="en-IN" altLang="en-US" sz="6000" b="1">
+                <a:solidFill>
+                  <a:srgbClr val="FF0000"/>
+                </a:solidFill>
+                <a:effectLst>
+                  <a:outerShdw blurRad="38100" dist="38100" dir="2700000" algn="tl">
+                    <a:srgbClr val="000000">
+                      <a:alpha val="43137"/>
+                    </a:srgbClr>
+                  </a:outerShdw>
+                </a:effectLst>
+                <a:sym typeface="+mn-ea"/>
+              </a:rPr>
+              <a:t>TensorFlow </a:t>
+            </a:r>
+            <a:endParaRPr lang="en-IN" altLang="en-US" sz="6000" b="1">
+              <a:solidFill>
+                <a:srgbClr val="FF0000"/>
+              </a:solidFill>
+              <a:effectLst>
+                <a:outerShdw blurRad="38100" dist="38100" dir="2700000" algn="tl">
+                  <a:srgbClr val="000000">
+                    <a:alpha val="43137"/>
+                  </a:srgbClr>
+                </a:outerShdw>
+              </a:effectLst>
+              <a:sym typeface="+mn-ea"/>
+            </a:endParaRPr>
           </a:p>
         </p:txBody>
       </p:sp>

--- a/9.Deep_learning/class_5_Tensorflow_keras_Neural_network_create.pptx
+++ b/9.Deep_learning/class_5_Tensorflow_keras_Neural_network_create.pptx
@@ -6006,6 +6006,35 @@
               <a:t>✅ Use Case: Functional API is used for multi-input &amp; multi-output models.</a:t>
             </a:r>
             <a:endParaRPr sz="1600"/>
+          </a:p>
+        </p:txBody>
+      </p:sp>
+      <p:sp>
+        <p:nvSpPr>
+          <p:cNvPr id="4" name="Text Box 3"/>
+          <p:cNvSpPr txBox="1"/>
+          <p:nvPr/>
+        </p:nvSpPr>
+        <p:spPr>
+          <a:xfrm>
+            <a:off x="78740" y="4881245"/>
+            <a:ext cx="6096000" cy="922020"/>
+          </a:xfrm>
+          <a:prstGeom prst="rect">
+            <a:avLst/>
+          </a:prstGeom>
+          <a:noFill/>
+        </p:spPr>
+        <p:txBody>
+          <a:bodyPr wrap="square" rtlCol="0" anchor="t">
+            <a:spAutoFit/>
+          </a:bodyPr>
+          <a:p>
+            <a:r>
+              <a:rPr lang="en-US" altLang="en-US"/>
+              <a:t>https://medium.com/@speaktoharisudhan/architecting-neural-networks-in-tensorflow-unraveling-sequential-models-functional-apis-model-6ebe5502219b</a:t>
+            </a:r>
+            <a:endParaRPr lang="en-US"/>
           </a:p>
         </p:txBody>
       </p:sp>

--- a/9.Deep_learning/class_5_Tensorflow_keras_Neural_network_create.pptx
+++ b/9.Deep_learning/class_5_Tensorflow_keras_Neural_network_create.pptx
@@ -5,7 +5,7 @@
     <p:sldMasterId id="2147483648" r:id="rId1"/>
   </p:sldMasterIdLst>
   <p:notesMasterIdLst>
-    <p:notesMasterId r:id="rId16"/>
+    <p:notesMasterId r:id="rId17"/>
   </p:notesMasterIdLst>
   <p:sldIdLst>
     <p:sldId id="368" r:id="rId3"/>
@@ -21,6 +21,7 @@
     <p:sldId id="264" r:id="rId13"/>
     <p:sldId id="265" r:id="rId14"/>
     <p:sldId id="266" r:id="rId15"/>
+    <p:sldId id="398" r:id="rId16"/>
   </p:sldIdLst>
   <p:sldSz cx="12192000" cy="6858000"/>
   <p:notesSz cx="6858000" cy="9144000"/>
@@ -4756,6 +4757,53 @@
           </a:prstGeom>
         </p:spPr>
       </p:pic>
+    </p:spTree>
+  </p:cSld>
+  <p:clrMapOvr>
+    <a:masterClrMapping/>
+  </p:clrMapOvr>
+</p:sld>
+</file>
+
+<file path=ppt/slides/slide14.xml><?xml version="1.0" encoding="utf-8"?>
+<p:sld xmlns:a="http://schemas.openxmlformats.org/drawingml/2006/main" xmlns:r="http://schemas.openxmlformats.org/officeDocument/2006/relationships" xmlns:p="http://schemas.openxmlformats.org/presentationml/2006/main">
+  <p:cSld>
+    <p:spTree>
+      <p:nvGrpSpPr>
+        <p:cNvPr id="1" name=""/>
+        <p:cNvGrpSpPr/>
+        <p:nvPr/>
+      </p:nvGrpSpPr>
+      <p:grpSpPr/>
+      <p:sp>
+        <p:nvSpPr>
+          <p:cNvPr id="2" name="Text Box 1"/>
+          <p:cNvSpPr txBox="1"/>
+          <p:nvPr/>
+        </p:nvSpPr>
+        <p:spPr>
+          <a:xfrm>
+            <a:off x="1040765" y="482600"/>
+            <a:ext cx="9503410" cy="368300"/>
+          </a:xfrm>
+          <a:prstGeom prst="rect">
+            <a:avLst/>
+          </a:prstGeom>
+          <a:noFill/>
+        </p:spPr>
+        <p:txBody>
+          <a:bodyPr wrap="square" rtlCol="0" anchor="t">
+            <a:spAutoFit/>
+          </a:bodyPr>
+          <a:p>
+            <a:r>
+              <a:rPr lang="en-US" altLang="en-US"/>
+              <a:t>https://www.geeksforgeeks.org/cifar-10-image-classification-in-tensorflow/</a:t>
+            </a:r>
+            <a:endParaRPr lang="en-US"/>
+          </a:p>
+        </p:txBody>
+      </p:sp>
     </p:spTree>
   </p:cSld>
   <p:clrMapOvr>
